--- a/ProjectWorkPPT.pptx
+++ b/ProjectWorkPPT.pptx
@@ -374,7 +374,7 @@
             <a:fld id="{B61BEF0D-F0BB-DE4B-95CE-6DB70DBA9567}" type="datetimeFigureOut">
               <a:rPr lang="en-US" dirty="0"/>
               <a:pPr/>
-              <a:t>6/5/22</a:t>
+              <a:t>6/20/22</a:t>
             </a:fld>
             <a:endParaRPr lang="en-US" dirty="0"/>
           </a:p>
@@ -633,7 +633,7 @@
             <a:fld id="{B61BEF0D-F0BB-DE4B-95CE-6DB70DBA9567}" type="datetimeFigureOut">
               <a:rPr lang="en-US" dirty="0"/>
               <a:pPr/>
-              <a:t>6/5/22</a:t>
+              <a:t>6/20/22</a:t>
             </a:fld>
             <a:endParaRPr lang="en-US" dirty="0"/>
           </a:p>
@@ -865,7 +865,7 @@
             <a:fld id="{B61BEF0D-F0BB-DE4B-95CE-6DB70DBA9567}" type="datetimeFigureOut">
               <a:rPr lang="en-US" dirty="0"/>
               <a:pPr/>
-              <a:t>6/5/22</a:t>
+              <a:t>6/20/22</a:t>
             </a:fld>
             <a:endParaRPr lang="en-US" dirty="0"/>
           </a:p>
@@ -1102,7 +1102,7 @@
             <a:fld id="{B61BEF0D-F0BB-DE4B-95CE-6DB70DBA9567}" type="datetimeFigureOut">
               <a:rPr lang="en-US" dirty="0"/>
               <a:pPr/>
-              <a:t>6/5/22</a:t>
+              <a:t>6/20/22</a:t>
             </a:fld>
             <a:endParaRPr lang="en-US" dirty="0"/>
           </a:p>
@@ -1406,7 +1406,7 @@
             <a:fld id="{B61BEF0D-F0BB-DE4B-95CE-6DB70DBA9567}" type="datetimeFigureOut">
               <a:rPr lang="en-US" dirty="0"/>
               <a:pPr/>
-              <a:t>6/5/22</a:t>
+              <a:t>6/20/22</a:t>
             </a:fld>
             <a:endParaRPr lang="en-US" dirty="0"/>
           </a:p>
@@ -1705,7 +1705,7 @@
             <a:fld id="{B61BEF0D-F0BB-DE4B-95CE-6DB70DBA9567}" type="datetimeFigureOut">
               <a:rPr lang="en-US" dirty="0"/>
               <a:pPr/>
-              <a:t>6/5/22</a:t>
+              <a:t>6/20/22</a:t>
             </a:fld>
             <a:endParaRPr lang="en-US" dirty="0"/>
           </a:p>
@@ -2124,7 +2124,7 @@
             <a:fld id="{B61BEF0D-F0BB-DE4B-95CE-6DB70DBA9567}" type="datetimeFigureOut">
               <a:rPr lang="en-US" dirty="0"/>
               <a:pPr/>
-              <a:t>6/5/22</a:t>
+              <a:t>6/20/22</a:t>
             </a:fld>
             <a:endParaRPr lang="en-US" dirty="0"/>
           </a:p>
@@ -2283,7 +2283,7 @@
             <a:fld id="{B61BEF0D-F0BB-DE4B-95CE-6DB70DBA9567}" type="datetimeFigureOut">
               <a:rPr lang="en-US" dirty="0"/>
               <a:pPr/>
-              <a:t>6/5/22</a:t>
+              <a:t>6/20/22</a:t>
             </a:fld>
             <a:endParaRPr lang="en-US" dirty="0"/>
           </a:p>
@@ -2375,7 +2375,7 @@
             <a:fld id="{B61BEF0D-F0BB-DE4B-95CE-6DB70DBA9567}" type="datetimeFigureOut">
               <a:rPr lang="en-US" dirty="0"/>
               <a:pPr/>
-              <a:t>6/5/22</a:t>
+              <a:t>6/20/22</a:t>
             </a:fld>
             <a:endParaRPr lang="en-US" dirty="0"/>
           </a:p>
@@ -2750,7 +2750,7 @@
             <a:fld id="{B61BEF0D-F0BB-DE4B-95CE-6DB70DBA9567}" type="datetimeFigureOut">
               <a:rPr lang="en-US" dirty="0"/>
               <a:pPr/>
-              <a:t>6/5/22</a:t>
+              <a:t>6/20/22</a:t>
             </a:fld>
             <a:endParaRPr lang="en-US" dirty="0"/>
           </a:p>
@@ -3036,7 +3036,7 @@
             <a:fld id="{B61BEF0D-F0BB-DE4B-95CE-6DB70DBA9567}" type="datetimeFigureOut">
               <a:rPr lang="en-US" dirty="0"/>
               <a:pPr/>
-              <a:t>6/5/22</a:t>
+              <a:t>6/20/22</a:t>
             </a:fld>
             <a:endParaRPr lang="en-US" dirty="0"/>
           </a:p>
@@ -3244,7 +3244,7 @@
             <a:fld id="{B61BEF0D-F0BB-DE4B-95CE-6DB70DBA9567}" type="datetimeFigureOut">
               <a:rPr lang="en-US" dirty="0"/>
               <a:pPr/>
-              <a:t>6/5/22</a:t>
+              <a:t>6/20/22</a:t>
             </a:fld>
             <a:endParaRPr lang="en-US" dirty="0"/>
           </a:p>
@@ -5219,7 +5219,7 @@
             <a:pPr lvl="1"/>
             <a:r>
               <a:rPr lang="it-IT" sz="1800" dirty="0"/>
-              <a:t>ROC-AUC score: 0.73</a:t>
+              <a:t>ROC-AUC score: 0.78</a:t>
             </a:r>
             <a:endParaRPr lang="it-IT" dirty="0"/>
           </a:p>
@@ -5455,7 +5455,7 @@
             <a:pPr lvl="1"/>
             <a:r>
               <a:rPr lang="it-IT" sz="1800" dirty="0"/>
-              <a:t>ROC-AUC score: 0.83</a:t>
+              <a:t>ROC-AUC score: 0.73</a:t>
             </a:r>
           </a:p>
           <a:p>
@@ -5515,21 +5515,21 @@
             </a:r>
             <a:r>
               <a:rPr lang="it-IT" sz="1800" dirty="0"/>
-              <a:t>: 0.76</a:t>
+              <a:t>: 0.78</a:t>
             </a:r>
           </a:p>
           <a:p>
             <a:pPr lvl="1"/>
             <a:r>
               <a:rPr lang="it-IT" sz="1800" dirty="0"/>
-              <a:t>F1-macro: 0.76</a:t>
+              <a:t>F1-macro: 0.78</a:t>
             </a:r>
           </a:p>
           <a:p>
             <a:pPr lvl="1"/>
             <a:r>
               <a:rPr lang="it-IT" sz="1800" dirty="0"/>
-              <a:t>ROC-AUC score: 0.78</a:t>
+              <a:t>ROC-AUC score: 0.83</a:t>
             </a:r>
           </a:p>
           <a:p>
@@ -5885,55 +5885,63 @@
           <a:lstStyle/>
           <a:p>
             <a:r>
-              <a:rPr lang="it-IT" b="1" dirty="0"/>
+              <a:rPr lang="it-IT" sz="2000" dirty="0"/>
               <a:t>The </a:t>
             </a:r>
             <a:r>
-              <a:rPr lang="it-IT" b="1" dirty="0" err="1"/>
+              <a:rPr lang="it-IT" sz="2000" dirty="0" err="1"/>
               <a:t>results</a:t>
             </a:r>
             <a:r>
-              <a:rPr lang="it-IT" b="1" dirty="0"/>
+              <a:rPr lang="it-IT" sz="2000" dirty="0"/>
+              <a:t> of the </a:t>
+            </a:r>
+            <a:r>
+              <a:rPr lang="it-IT" sz="2000" dirty="0" err="1"/>
+              <a:t>predictions</a:t>
+            </a:r>
+            <a:r>
+              <a:rPr lang="it-IT" sz="2000" dirty="0"/>
               <a:t> show </a:t>
             </a:r>
             <a:r>
-              <a:rPr lang="it-IT" b="1" dirty="0" err="1"/>
+              <a:rPr lang="it-IT" sz="2000" dirty="0" err="1"/>
               <a:t>that</a:t>
             </a:r>
             <a:r>
-              <a:rPr lang="it-IT" b="1" dirty="0"/>
+              <a:rPr lang="it-IT" sz="2000" dirty="0"/>
               <a:t> the best </a:t>
             </a:r>
             <a:r>
-              <a:rPr lang="it-IT" b="1" dirty="0" err="1"/>
+              <a:rPr lang="it-IT" sz="2000" dirty="0" err="1"/>
               <a:t>performing</a:t>
             </a:r>
             <a:r>
-              <a:rPr lang="it-IT" b="1" dirty="0"/>
+              <a:rPr lang="it-IT" sz="2000" dirty="0"/>
               <a:t> models in </a:t>
             </a:r>
             <a:r>
-              <a:rPr lang="it-IT" b="1" dirty="0" err="1"/>
+              <a:rPr lang="it-IT" sz="2000" dirty="0" err="1"/>
               <a:t>terms</a:t>
             </a:r>
             <a:r>
-              <a:rPr lang="it-IT" b="1" dirty="0"/>
+              <a:rPr lang="it-IT" sz="2000" dirty="0"/>
               <a:t> of </a:t>
             </a:r>
             <a:r>
-              <a:rPr lang="it-IT" b="1" dirty="0" err="1"/>
+              <a:rPr lang="it-IT" sz="2000" dirty="0" err="1"/>
               <a:t>accuracy</a:t>
             </a:r>
             <a:r>
-              <a:rPr lang="it-IT" b="1" dirty="0"/>
+              <a:rPr lang="it-IT" sz="2000" dirty="0"/>
               <a:t>, F1 Macro and AUC score </a:t>
             </a:r>
             <a:r>
-              <a:rPr lang="it-IT" b="1" dirty="0" err="1"/>
+              <a:rPr lang="it-IT" sz="2000" dirty="0" err="1"/>
               <a:t>were</a:t>
             </a:r>
             <a:r>
-              <a:rPr lang="it-IT" b="1" dirty="0"/>
+              <a:rPr lang="it-IT" sz="2000" dirty="0"/>
               <a:t>:</a:t>
             </a:r>
           </a:p>
@@ -5962,76 +5970,78 @@
             <a:endParaRPr lang="it-IT" sz="1800" b="1" dirty="0"/>
           </a:p>
           <a:p>
-            <a:pPr marL="324000" lvl="1" indent="0">
-              <a:buNone/>
-            </a:pPr>
+            <a:pPr lvl="1"/>
             <a:endParaRPr lang="it-IT" sz="1800" b="1" dirty="0"/>
           </a:p>
           <a:p>
-            <a:pPr marL="324000" lvl="1" indent="0">
-              <a:buNone/>
-            </a:pPr>
-            <a:r>
-              <a:rPr lang="it-IT" sz="1800" b="1" dirty="0" err="1"/>
-              <a:t>while</a:t>
-            </a:r>
-            <a:r>
-              <a:rPr lang="it-IT" sz="1800" b="1" dirty="0"/>
-              <a:t> the model </a:t>
-            </a:r>
-            <a:r>
-              <a:rPr lang="it-IT" sz="1800" b="1" dirty="0" err="1"/>
+            <a:r>
+              <a:rPr lang="it-IT" sz="2000" dirty="0"/>
+              <a:t>On the </a:t>
+            </a:r>
+            <a:r>
+              <a:rPr lang="it-IT" sz="2000" dirty="0" err="1"/>
+              <a:t>other</a:t>
+            </a:r>
+            <a:r>
+              <a:rPr lang="it-IT" sz="2000" dirty="0"/>
+              <a:t> hand,  the model </a:t>
+            </a:r>
+            <a:r>
+              <a:rPr lang="it-IT" sz="2000" dirty="0" err="1"/>
               <a:t>which</a:t>
             </a:r>
             <a:r>
-              <a:rPr lang="it-IT" sz="1800" b="1" dirty="0"/>
-              <a:t> </a:t>
-            </a:r>
-            <a:r>
-              <a:rPr lang="it-IT" sz="1800" b="1" dirty="0" err="1"/>
+              <a:rPr lang="it-IT" sz="2000" dirty="0"/>
+              <a:t> </a:t>
+            </a:r>
+            <a:r>
+              <a:rPr lang="it-IT" sz="2000" dirty="0" err="1"/>
               <a:t>showed</a:t>
             </a:r>
             <a:r>
-              <a:rPr lang="it-IT" sz="1800" b="1" dirty="0"/>
+              <a:rPr lang="it-IT" sz="2000" dirty="0"/>
               <a:t> the </a:t>
             </a:r>
             <a:r>
-              <a:rPr lang="it-IT" sz="1800" b="1" dirty="0" err="1"/>
+              <a:rPr lang="it-IT" sz="2000" dirty="0" err="1"/>
               <a:t>worst</a:t>
             </a:r>
             <a:r>
-              <a:rPr lang="it-IT" sz="1800" b="1" dirty="0"/>
-              <a:t> </a:t>
-            </a:r>
-            <a:r>
-              <a:rPr lang="it-IT" sz="1800" b="1" dirty="0" err="1"/>
+              <a:rPr lang="it-IT" sz="2000" dirty="0"/>
+              <a:t> </a:t>
+            </a:r>
+            <a:r>
+              <a:rPr lang="it-IT" sz="2000" dirty="0" err="1"/>
               <a:t>results</a:t>
             </a:r>
             <a:r>
-              <a:rPr lang="it-IT" sz="1800" b="1" dirty="0"/>
-              <a:t> </a:t>
-            </a:r>
-            <a:r>
-              <a:rPr lang="it-IT" sz="1800" b="1" dirty="0" err="1"/>
+              <a:rPr lang="it-IT" sz="2000" dirty="0"/>
+              <a:t> </a:t>
+            </a:r>
+            <a:r>
+              <a:rPr lang="it-IT" sz="2000" dirty="0" err="1"/>
               <a:t>was</a:t>
             </a:r>
             <a:r>
-              <a:rPr lang="it-IT" sz="1800" b="1" dirty="0"/>
+              <a:rPr lang="it-IT" sz="2000" dirty="0"/>
               <a:t> K-</a:t>
             </a:r>
             <a:r>
-              <a:rPr lang="it-IT" sz="1800" b="1" dirty="0" err="1"/>
+              <a:rPr lang="it-IT" sz="2000" dirty="0" err="1"/>
               <a:t>Nearest</a:t>
             </a:r>
             <a:r>
-              <a:rPr lang="it-IT" sz="1800" b="1" dirty="0"/>
-              <a:t> </a:t>
-            </a:r>
-            <a:r>
-              <a:rPr lang="it-IT" sz="1800" b="1" dirty="0" err="1"/>
+              <a:rPr lang="it-IT" sz="2000" dirty="0"/>
+              <a:t> </a:t>
+            </a:r>
+            <a:r>
+              <a:rPr lang="it-IT" sz="2000" dirty="0" err="1"/>
               <a:t>Neighbors</a:t>
             </a:r>
-            <a:endParaRPr lang="it-IT" sz="1800" b="1" dirty="0"/>
+            <a:r>
+              <a:rPr lang="it-IT" sz="2000" dirty="0"/>
+              <a:t>.</a:t>
+            </a:r>
           </a:p>
           <a:p>
             <a:pPr marL="324000" lvl="1" indent="0">
@@ -6139,6 +6149,22 @@
               <a:rPr lang="it-IT" sz="2800" dirty="0"/>
               <a:t> Health in Tech</a:t>
             </a:r>
+          </a:p>
+          <a:p>
+            <a:pPr lvl="1"/>
+            <a:r>
+              <a:rPr lang="it-IT" sz="2000" dirty="0" err="1"/>
+              <a:t>available</a:t>
+            </a:r>
+            <a:r>
+              <a:rPr lang="it-IT" sz="2000" dirty="0"/>
+              <a:t> on </a:t>
+            </a:r>
+            <a:r>
+              <a:rPr lang="it-IT" sz="2000" dirty="0" err="1"/>
+              <a:t>Kaggle</a:t>
+            </a:r>
+            <a:endParaRPr lang="it-IT" sz="2000" dirty="0"/>
           </a:p>
           <a:p>
             <a:pPr lvl="1"/>

--- a/ProjectWorkPPT.pptx
+++ b/ProjectWorkPPT.pptx
@@ -15,13 +15,14 @@
     <p:sldId id="262" r:id="rId9"/>
     <p:sldId id="271" r:id="rId10"/>
     <p:sldId id="272" r:id="rId11"/>
-    <p:sldId id="266" r:id="rId12"/>
-    <p:sldId id="274" r:id="rId13"/>
-    <p:sldId id="268" r:id="rId14"/>
-    <p:sldId id="269" r:id="rId15"/>
-    <p:sldId id="276" r:id="rId16"/>
-    <p:sldId id="277" r:id="rId17"/>
-    <p:sldId id="275" r:id="rId18"/>
+    <p:sldId id="278" r:id="rId12"/>
+    <p:sldId id="266" r:id="rId13"/>
+    <p:sldId id="274" r:id="rId14"/>
+    <p:sldId id="268" r:id="rId15"/>
+    <p:sldId id="269" r:id="rId16"/>
+    <p:sldId id="276" r:id="rId17"/>
+    <p:sldId id="277" r:id="rId18"/>
+    <p:sldId id="275" r:id="rId19"/>
   </p:sldIdLst>
   <p:sldSz cx="12192000" cy="6858000"/>
   <p:notesSz cx="6858000" cy="9144000"/>
@@ -374,7 +375,7 @@
             <a:fld id="{B61BEF0D-F0BB-DE4B-95CE-6DB70DBA9567}" type="datetimeFigureOut">
               <a:rPr lang="en-US" dirty="0"/>
               <a:pPr/>
-              <a:t>6/20/22</a:t>
+              <a:t>6/21/22</a:t>
             </a:fld>
             <a:endParaRPr lang="en-US" dirty="0"/>
           </a:p>
@@ -633,7 +634,7 @@
             <a:fld id="{B61BEF0D-F0BB-DE4B-95CE-6DB70DBA9567}" type="datetimeFigureOut">
               <a:rPr lang="en-US" dirty="0"/>
               <a:pPr/>
-              <a:t>6/20/22</a:t>
+              <a:t>6/21/22</a:t>
             </a:fld>
             <a:endParaRPr lang="en-US" dirty="0"/>
           </a:p>
@@ -865,7 +866,7 @@
             <a:fld id="{B61BEF0D-F0BB-DE4B-95CE-6DB70DBA9567}" type="datetimeFigureOut">
               <a:rPr lang="en-US" dirty="0"/>
               <a:pPr/>
-              <a:t>6/20/22</a:t>
+              <a:t>6/21/22</a:t>
             </a:fld>
             <a:endParaRPr lang="en-US" dirty="0"/>
           </a:p>
@@ -1102,7 +1103,7 @@
             <a:fld id="{B61BEF0D-F0BB-DE4B-95CE-6DB70DBA9567}" type="datetimeFigureOut">
               <a:rPr lang="en-US" dirty="0"/>
               <a:pPr/>
-              <a:t>6/20/22</a:t>
+              <a:t>6/21/22</a:t>
             </a:fld>
             <a:endParaRPr lang="en-US" dirty="0"/>
           </a:p>
@@ -1406,7 +1407,7 @@
             <a:fld id="{B61BEF0D-F0BB-DE4B-95CE-6DB70DBA9567}" type="datetimeFigureOut">
               <a:rPr lang="en-US" dirty="0"/>
               <a:pPr/>
-              <a:t>6/20/22</a:t>
+              <a:t>6/21/22</a:t>
             </a:fld>
             <a:endParaRPr lang="en-US" dirty="0"/>
           </a:p>
@@ -1705,7 +1706,7 @@
             <a:fld id="{B61BEF0D-F0BB-DE4B-95CE-6DB70DBA9567}" type="datetimeFigureOut">
               <a:rPr lang="en-US" dirty="0"/>
               <a:pPr/>
-              <a:t>6/20/22</a:t>
+              <a:t>6/21/22</a:t>
             </a:fld>
             <a:endParaRPr lang="en-US" dirty="0"/>
           </a:p>
@@ -2124,7 +2125,7 @@
             <a:fld id="{B61BEF0D-F0BB-DE4B-95CE-6DB70DBA9567}" type="datetimeFigureOut">
               <a:rPr lang="en-US" dirty="0"/>
               <a:pPr/>
-              <a:t>6/20/22</a:t>
+              <a:t>6/21/22</a:t>
             </a:fld>
             <a:endParaRPr lang="en-US" dirty="0"/>
           </a:p>
@@ -2283,7 +2284,7 @@
             <a:fld id="{B61BEF0D-F0BB-DE4B-95CE-6DB70DBA9567}" type="datetimeFigureOut">
               <a:rPr lang="en-US" dirty="0"/>
               <a:pPr/>
-              <a:t>6/20/22</a:t>
+              <a:t>6/21/22</a:t>
             </a:fld>
             <a:endParaRPr lang="en-US" dirty="0"/>
           </a:p>
@@ -2375,7 +2376,7 @@
             <a:fld id="{B61BEF0D-F0BB-DE4B-95CE-6DB70DBA9567}" type="datetimeFigureOut">
               <a:rPr lang="en-US" dirty="0"/>
               <a:pPr/>
-              <a:t>6/20/22</a:t>
+              <a:t>6/21/22</a:t>
             </a:fld>
             <a:endParaRPr lang="en-US" dirty="0"/>
           </a:p>
@@ -2750,7 +2751,7 @@
             <a:fld id="{B61BEF0D-F0BB-DE4B-95CE-6DB70DBA9567}" type="datetimeFigureOut">
               <a:rPr lang="en-US" dirty="0"/>
               <a:pPr/>
-              <a:t>6/20/22</a:t>
+              <a:t>6/21/22</a:t>
             </a:fld>
             <a:endParaRPr lang="en-US" dirty="0"/>
           </a:p>
@@ -3036,7 +3037,7 @@
             <a:fld id="{B61BEF0D-F0BB-DE4B-95CE-6DB70DBA9567}" type="datetimeFigureOut">
               <a:rPr lang="en-US" dirty="0"/>
               <a:pPr/>
-              <a:t>6/20/22</a:t>
+              <a:t>6/21/22</a:t>
             </a:fld>
             <a:endParaRPr lang="en-US" dirty="0"/>
           </a:p>
@@ -3244,7 +3245,7 @@
             <a:fld id="{B61BEF0D-F0BB-DE4B-95CE-6DB70DBA9567}" type="datetimeFigureOut">
               <a:rPr lang="en-US" dirty="0"/>
               <a:pPr/>
-              <a:t>6/20/22</a:t>
+              <a:t>6/21/22</a:t>
             </a:fld>
             <a:endParaRPr lang="en-US" dirty="0"/>
           </a:p>
@@ -4106,8 +4107,8 @@
         </p:nvSpPr>
         <p:spPr>
           <a:xfrm>
-            <a:off x="7264400" y="2937217"/>
-            <a:ext cx="4304448" cy="1477328"/>
+            <a:off x="6891868" y="2564684"/>
+            <a:ext cx="4826000" cy="3139321"/>
           </a:xfrm>
           <a:prstGeom prst="rect">
             <a:avLst/>
@@ -4115,11 +4116,15 @@
           <a:noFill/>
         </p:spPr>
         <p:txBody>
-          <a:bodyPr wrap="none" rtlCol="0">
+          <a:bodyPr wrap="square" rtlCol="0">
             <a:spAutoFit/>
           </a:bodyPr>
           <a:lstStyle/>
           <a:p>
+            <a:pPr marL="285750" indent="-285750">
+              <a:buFont typeface="Arial" panose="020B0604020202020204" pitchFamily="34" charset="0"/>
+              <a:buChar char="•"/>
+            </a:pPr>
             <a:r>
               <a:rPr lang="it-IT" dirty="0" err="1"/>
               <a:t>Correlation</a:t>
@@ -4168,8 +4173,26 @@
             </a:r>
             <a:r>
               <a:rPr lang="it-IT" dirty="0"/>
-              <a:t>, </a:t>
-            </a:r>
+              <a:t> and cause-</a:t>
+            </a:r>
+            <a:r>
+              <a:rPr lang="it-IT" dirty="0" err="1"/>
+              <a:t>effect</a:t>
+            </a:r>
+            <a:r>
+              <a:rPr lang="it-IT" dirty="0"/>
+              <a:t> </a:t>
+            </a:r>
+            <a:r>
+              <a:rPr lang="it-IT" dirty="0" err="1"/>
+              <a:t>relationships</a:t>
+            </a:r>
+            <a:r>
+              <a:rPr lang="it-IT" dirty="0"/>
+              <a:t>,</a:t>
+            </a:r>
+          </a:p>
+          <a:p>
             <a:r>
               <a:rPr lang="it-IT" dirty="0" err="1"/>
               <a:t>computed</a:t>
@@ -4186,8 +4209,6 @@
               <a:rPr lang="it-IT" dirty="0"/>
               <a:t> </a:t>
             </a:r>
-          </a:p>
-          <a:p>
             <a:r>
               <a:rPr lang="it-IT" dirty="0" err="1"/>
               <a:t>DataFrame.corr</a:t>
@@ -4204,8 +4225,6 @@
               <a:rPr lang="it-IT" dirty="0"/>
               <a:t> library and </a:t>
             </a:r>
-          </a:p>
-          <a:p>
             <a:r>
               <a:rPr lang="it-IT" dirty="0" err="1"/>
               <a:t>sns.heatmap</a:t>
@@ -4221,6 +4240,72 @@
             <a:endParaRPr lang="it-IT" dirty="0"/>
           </a:p>
           <a:p>
+            <a:endParaRPr lang="it-IT" dirty="0"/>
+          </a:p>
+          <a:p>
+            <a:pPr marL="285750" indent="-285750">
+              <a:buFont typeface="Arial" panose="020B0604020202020204" pitchFamily="34" charset="0"/>
+              <a:buChar char="•"/>
+            </a:pPr>
+            <a:endParaRPr lang="it-IT" dirty="0"/>
+          </a:p>
+          <a:p>
+            <a:pPr marL="285750" indent="-285750">
+              <a:buFont typeface="Arial" panose="020B0604020202020204" pitchFamily="34" charset="0"/>
+              <a:buChar char="•"/>
+            </a:pPr>
+            <a:r>
+              <a:rPr lang="it-IT" dirty="0" err="1"/>
+              <a:t>Interesting</a:t>
+            </a:r>
+            <a:r>
+              <a:rPr lang="it-IT" dirty="0"/>
+              <a:t> </a:t>
+            </a:r>
+            <a:r>
+              <a:rPr lang="it-IT" dirty="0" err="1"/>
+              <a:t>correlation</a:t>
+            </a:r>
+            <a:r>
+              <a:rPr lang="it-IT" dirty="0"/>
+              <a:t> </a:t>
+            </a:r>
+            <a:r>
+              <a:rPr lang="it-IT" dirty="0" err="1"/>
+              <a:t>between</a:t>
+            </a:r>
+            <a:r>
+              <a:rPr lang="it-IT" dirty="0"/>
+              <a:t> </a:t>
+            </a:r>
+            <a:r>
+              <a:rPr lang="it-IT" dirty="0" err="1"/>
+              <a:t>family_history</a:t>
+            </a:r>
+            <a:r>
+              <a:rPr lang="it-IT" dirty="0"/>
+              <a:t> and </a:t>
+            </a:r>
+            <a:r>
+              <a:rPr lang="it-IT" dirty="0" err="1"/>
+              <a:t>seek</a:t>
+            </a:r>
+            <a:r>
+              <a:rPr lang="it-IT" dirty="0"/>
+              <a:t> of treatment</a:t>
+            </a:r>
+          </a:p>
+          <a:p>
+            <a:endParaRPr lang="it-IT" dirty="0"/>
+          </a:p>
+          <a:p>
+            <a:endParaRPr lang="it-IT" dirty="0"/>
+          </a:p>
+          <a:p>
+            <a:pPr marL="285750" indent="-285750">
+              <a:buFont typeface="Arial" panose="020B0604020202020204" pitchFamily="34" charset="0"/>
+              <a:buChar char="•"/>
+            </a:pPr>
             <a:endParaRPr lang="it-IT" dirty="0"/>
           </a:p>
         </p:txBody>
@@ -4260,7 +4345,7 @@
           <p:cNvPr id="2" name="Titolo 1">
             <a:extLst>
               <a:ext uri="{FF2B5EF4-FFF2-40B4-BE49-F238E27FC236}">
-                <a16:creationId xmlns:a16="http://schemas.microsoft.com/office/drawing/2014/main" id="{50282072-66D5-CEE7-1E94-1F86B5CE10B6}"/>
+                <a16:creationId xmlns:a16="http://schemas.microsoft.com/office/drawing/2014/main" id="{B23B0B6A-EFF3-3212-7410-BFB0863246D2}"/>
               </a:ext>
             </a:extLst>
           </p:cNvPr>
@@ -4280,215 +4365,334 @@
           <a:p>
             <a:r>
               <a:rPr lang="it-IT" sz="4000" dirty="0"/>
-              <a:t>DATA encoding</a:t>
-            </a:r>
-          </a:p>
-        </p:txBody>
-      </p:sp>
-      <p:sp>
-        <p:nvSpPr>
-          <p:cNvPr id="3" name="Segnaposto contenuto 2">
+              <a:t>EXPLORATORY DATA ANALYSIS</a:t>
+            </a:r>
+          </a:p>
+        </p:txBody>
+      </p:sp>
+      <p:pic>
+        <p:nvPicPr>
+          <p:cNvPr id="10" name="Segnaposto contenuto 9">
             <a:extLst>
               <a:ext uri="{FF2B5EF4-FFF2-40B4-BE49-F238E27FC236}">
-                <a16:creationId xmlns:a16="http://schemas.microsoft.com/office/drawing/2014/main" id="{1F743A71-8CBD-C22F-429F-8C20CD5F0E47}"/>
+                <a16:creationId xmlns:a16="http://schemas.microsoft.com/office/drawing/2014/main" id="{F8A2B670-935D-BC6A-45B6-CBA1107EA825}"/>
               </a:ext>
             </a:extLst>
           </p:cNvPr>
-          <p:cNvSpPr>
-            <a:spLocks noGrp="1"/>
-          </p:cNvSpPr>
+          <p:cNvPicPr>
+            <a:picLocks noGrp="1" noChangeAspect="1"/>
+          </p:cNvPicPr>
           <p:nvPr>
             <p:ph idx="1"/>
           </p:nvPr>
-        </p:nvSpPr>
-        <p:spPr/>
-        <p:txBody>
-          <a:bodyPr>
-            <a:normAutofit/>
+        </p:nvPicPr>
+        <p:blipFill>
+          <a:blip r:embed="rId2"/>
+          <a:stretch>
+            <a:fillRect/>
+          </a:stretch>
+        </p:blipFill>
+        <p:spPr>
+          <a:xfrm>
+            <a:off x="2185913" y="1949759"/>
+            <a:ext cx="6806603" cy="3192286"/>
+          </a:xfrm>
+        </p:spPr>
+      </p:pic>
+      <p:sp>
+        <p:nvSpPr>
+          <p:cNvPr id="11" name="CasellaDiTesto 10">
+            <a:extLst>
+              <a:ext uri="{FF2B5EF4-FFF2-40B4-BE49-F238E27FC236}">
+                <a16:creationId xmlns:a16="http://schemas.microsoft.com/office/drawing/2014/main" id="{34245DC0-0D88-0996-9C3C-74E75EEC121A}"/>
+              </a:ext>
+            </a:extLst>
+          </p:cNvPr>
+          <p:cNvSpPr txBox="1"/>
+          <p:nvPr/>
+        </p:nvSpPr>
+        <p:spPr>
+          <a:xfrm>
+            <a:off x="581192" y="5155671"/>
+            <a:ext cx="11373741" cy="2031325"/>
+          </a:xfrm>
+          <a:prstGeom prst="rect">
+            <a:avLst/>
+          </a:prstGeom>
+          <a:noFill/>
+        </p:spPr>
+        <p:txBody>
+          <a:bodyPr wrap="square" rtlCol="0">
+            <a:spAutoFit/>
           </a:bodyPr>
           <a:lstStyle/>
           <a:p>
-            <a:r>
-              <a:rPr lang="it-IT" sz="2000" dirty="0"/>
-              <a:t>Features are </a:t>
-            </a:r>
-            <a:r>
-              <a:rPr lang="it-IT" sz="2000" dirty="0" err="1"/>
-              <a:t>encoded</a:t>
-            </a:r>
-            <a:r>
-              <a:rPr lang="it-IT" sz="2000" dirty="0"/>
-              <a:t> </a:t>
-            </a:r>
-            <a:r>
-              <a:rPr lang="it-IT" sz="2000" dirty="0" err="1"/>
-              <a:t>using</a:t>
-            </a:r>
-            <a:r>
-              <a:rPr lang="it-IT" sz="2000" dirty="0"/>
-              <a:t> </a:t>
-            </a:r>
-            <a:r>
-              <a:rPr lang="it-IT" sz="2000" dirty="0" err="1"/>
-              <a:t>LabelEncoder</a:t>
-            </a:r>
-            <a:r>
-              <a:rPr lang="it-IT" sz="2000" dirty="0"/>
-              <a:t> from </a:t>
-            </a:r>
-            <a:r>
-              <a:rPr lang="it-IT" sz="2000" dirty="0" err="1"/>
-              <a:t>sklearn.preprocessing</a:t>
-            </a:r>
-            <a:r>
-              <a:rPr lang="it-IT" sz="2000" dirty="0"/>
-              <a:t>, </a:t>
-            </a:r>
-            <a:r>
-              <a:rPr lang="it-IT" sz="2000" dirty="0" err="1"/>
-              <a:t>which</a:t>
-            </a:r>
-            <a:r>
-              <a:rPr lang="it-IT" sz="2000" dirty="0"/>
-              <a:t> </a:t>
-            </a:r>
-            <a:r>
-              <a:rPr lang="it-IT" sz="2000" dirty="0" err="1"/>
-              <a:t>encodes</a:t>
-            </a:r>
-            <a:r>
-              <a:rPr lang="it-IT" sz="2000" dirty="0"/>
-              <a:t> target labels with </a:t>
-            </a:r>
-            <a:r>
-              <a:rPr lang="it-IT" sz="2000" dirty="0" err="1"/>
-              <a:t>value</a:t>
-            </a:r>
-            <a:r>
-              <a:rPr lang="it-IT" sz="2000" dirty="0"/>
-              <a:t> </a:t>
-            </a:r>
-            <a:r>
-              <a:rPr lang="it-IT" sz="2000" dirty="0" err="1"/>
-              <a:t>between</a:t>
-            </a:r>
-            <a:r>
-              <a:rPr lang="it-IT" sz="2000" dirty="0"/>
-              <a:t> 0 and n_classes-1</a:t>
-            </a:r>
-          </a:p>
-          <a:p>
-            <a:r>
-              <a:rPr lang="it-IT" sz="2000" b="1" dirty="0"/>
-              <a:t>Scaling</a:t>
-            </a:r>
-            <a:r>
-              <a:rPr lang="it-IT" sz="2000" dirty="0"/>
-              <a:t>: the Age </a:t>
-            </a:r>
-            <a:r>
-              <a:rPr lang="it-IT" sz="2000" dirty="0" err="1"/>
-              <a:t>attribute</a:t>
-            </a:r>
-            <a:r>
-              <a:rPr lang="it-IT" sz="2000" dirty="0"/>
-              <a:t> </a:t>
-            </a:r>
-            <a:r>
-              <a:rPr lang="it-IT" sz="2000" dirty="0" err="1"/>
+            <a:pPr marL="285750" indent="-285750">
+              <a:buFont typeface="Arial" panose="020B0604020202020204" pitchFamily="34" charset="0"/>
+              <a:buChar char="•"/>
+            </a:pPr>
+            <a:r>
+              <a:rPr lang="it-IT" dirty="0"/>
+              <a:t>The </a:t>
+            </a:r>
+            <a:r>
+              <a:rPr lang="it-IT" dirty="0" err="1"/>
+              <a:t>percentages</a:t>
+            </a:r>
+            <a:r>
+              <a:rPr lang="it-IT" dirty="0"/>
+              <a:t> of </a:t>
+            </a:r>
+            <a:r>
+              <a:rPr lang="it-IT" dirty="0" err="1"/>
+              <a:t>respondents</a:t>
+            </a:r>
+            <a:r>
+              <a:rPr lang="it-IT" dirty="0"/>
+              <a:t> </a:t>
+            </a:r>
+            <a:r>
+              <a:rPr lang="it-IT" dirty="0" err="1"/>
+              <a:t>who</a:t>
+            </a:r>
+            <a:r>
+              <a:rPr lang="it-IT" dirty="0"/>
+              <a:t> </a:t>
+            </a:r>
+            <a:r>
+              <a:rPr lang="it-IT" dirty="0" err="1"/>
+              <a:t>want</a:t>
+            </a:r>
+            <a:r>
+              <a:rPr lang="it-IT" dirty="0"/>
+              <a:t> and do </a:t>
+            </a:r>
+            <a:r>
+              <a:rPr lang="it-IT" dirty="0" err="1"/>
+              <a:t>not</a:t>
+            </a:r>
+            <a:r>
+              <a:rPr lang="it-IT" dirty="0"/>
+              <a:t> </a:t>
+            </a:r>
+            <a:r>
+              <a:rPr lang="it-IT" dirty="0" err="1"/>
+              <a:t>want</a:t>
+            </a:r>
+            <a:r>
+              <a:rPr lang="it-IT" dirty="0"/>
+              <a:t> to </a:t>
+            </a:r>
+            <a:r>
+              <a:rPr lang="it-IT" dirty="0" err="1"/>
+              <a:t>get</a:t>
+            </a:r>
+            <a:r>
+              <a:rPr lang="it-IT" dirty="0"/>
+              <a:t> treatment are </a:t>
+            </a:r>
+            <a:r>
+              <a:rPr lang="it-IT" dirty="0" err="1"/>
+              <a:t>balanced</a:t>
+            </a:r>
+            <a:r>
+              <a:rPr lang="it-IT" dirty="0"/>
+              <a:t> and </a:t>
+            </a:r>
+            <a:r>
+              <a:rPr lang="it-IT" dirty="0" err="1"/>
+              <a:t>nearly</a:t>
+            </a:r>
+            <a:r>
+              <a:rPr lang="it-IT" dirty="0"/>
+              <a:t> </a:t>
+            </a:r>
+            <a:r>
+              <a:rPr lang="it-IT" dirty="0" err="1"/>
+              <a:t>equal</a:t>
+            </a:r>
+            <a:r>
+              <a:rPr lang="it-IT" dirty="0"/>
+              <a:t> to 50</a:t>
+            </a:r>
+          </a:p>
+          <a:p>
+            <a:pPr marL="285750" indent="-285750">
+              <a:buFont typeface="Arial" panose="020B0604020202020204" pitchFamily="34" charset="0"/>
+              <a:buChar char="•"/>
+            </a:pPr>
+            <a:endParaRPr lang="it-IT" dirty="0"/>
+          </a:p>
+          <a:p>
+            <a:pPr marL="285750" indent="-285750">
+              <a:buFont typeface="Arial" panose="020B0604020202020204" pitchFamily="34" charset="0"/>
+              <a:buChar char="•"/>
+            </a:pPr>
+            <a:r>
+              <a:rPr lang="it-IT" dirty="0" err="1"/>
+              <a:t>Fewer</a:t>
+            </a:r>
+            <a:r>
+              <a:rPr lang="it-IT" dirty="0"/>
+              <a:t> </a:t>
+            </a:r>
+            <a:r>
+              <a:rPr lang="it-IT" dirty="0" err="1"/>
+              <a:t>respondents</a:t>
+            </a:r>
+            <a:r>
+              <a:rPr lang="it-IT" dirty="0"/>
+              <a:t> claim to </a:t>
+            </a:r>
+            <a:r>
+              <a:rPr lang="it-IT" dirty="0" err="1"/>
+              <a:t>have</a:t>
+            </a:r>
+            <a:r>
+              <a:rPr lang="it-IT" dirty="0"/>
+              <a:t> a family history of </a:t>
+            </a:r>
+            <a:r>
+              <a:rPr lang="it-IT" dirty="0" err="1"/>
+              <a:t>mental</a:t>
+            </a:r>
+            <a:r>
+              <a:rPr lang="it-IT" dirty="0"/>
+              <a:t> </a:t>
+            </a:r>
+            <a:r>
+              <a:rPr lang="it-IT" dirty="0" err="1"/>
+              <a:t>illness</a:t>
+            </a:r>
+            <a:r>
+              <a:rPr lang="it-IT" dirty="0"/>
+              <a:t> </a:t>
+            </a:r>
+            <a:r>
+              <a:rPr lang="it-IT" dirty="0" err="1"/>
+              <a:t>but</a:t>
+            </a:r>
+            <a:r>
+              <a:rPr lang="it-IT" dirty="0"/>
+              <a:t> </a:t>
+            </a:r>
+            <a:r>
+              <a:rPr lang="it-IT" dirty="0" err="1"/>
+              <a:t>it</a:t>
+            </a:r>
+            <a:r>
+              <a:rPr lang="it-IT" dirty="0"/>
+              <a:t> </a:t>
+            </a:r>
+            <a:r>
+              <a:rPr lang="it-IT" dirty="0" err="1"/>
               <a:t>is</a:t>
             </a:r>
             <a:r>
-              <a:rPr lang="it-IT" sz="2000" dirty="0"/>
-              <a:t> </a:t>
-            </a:r>
-            <a:r>
-              <a:rPr lang="it-IT" sz="2000" dirty="0" err="1"/>
-              <a:t>scaled</a:t>
-            </a:r>
-            <a:r>
-              <a:rPr lang="it-IT" sz="2000" dirty="0"/>
+              <a:rPr lang="it-IT" dirty="0"/>
+              <a:t> more </a:t>
+            </a:r>
+            <a:r>
+              <a:rPr lang="it-IT" dirty="0" err="1"/>
+              <a:t>likely</a:t>
+            </a:r>
+            <a:r>
+              <a:rPr lang="it-IT" dirty="0"/>
+              <a:t> </a:t>
+            </a:r>
+            <a:r>
+              <a:rPr lang="it-IT" dirty="0" err="1"/>
+              <a:t>that</a:t>
+            </a:r>
+            <a:r>
+              <a:rPr lang="it-IT" dirty="0"/>
+              <a:t> </a:t>
+            </a:r>
+            <a:r>
+              <a:rPr lang="it-IT" dirty="0" err="1"/>
+              <a:t>they</a:t>
+            </a:r>
+            <a:r>
+              <a:rPr lang="it-IT" dirty="0"/>
+              <a:t> </a:t>
+            </a:r>
+            <a:r>
+              <a:rPr lang="it-IT" dirty="0" err="1"/>
+              <a:t>want</a:t>
+            </a:r>
+            <a:r>
+              <a:rPr lang="it-IT" dirty="0"/>
               <a:t> to </a:t>
             </a:r>
             <a:r>
-              <a:rPr lang="it-IT" sz="2000" dirty="0" err="1"/>
-              <a:t>normalize</a:t>
-            </a:r>
-            <a:r>
-              <a:rPr lang="it-IT" sz="2000" dirty="0"/>
-              <a:t> </a:t>
-            </a:r>
-            <a:r>
-              <a:rPr lang="it-IT" sz="2000" dirty="0" err="1"/>
-              <a:t>values</a:t>
-            </a:r>
-            <a:r>
-              <a:rPr lang="it-IT" sz="2000" dirty="0"/>
-              <a:t> in the range [0,1] with the </a:t>
-            </a:r>
-            <a:r>
-              <a:rPr lang="it-IT" sz="2000" dirty="0" err="1"/>
-              <a:t>MinMax</a:t>
-            </a:r>
-            <a:r>
-              <a:rPr lang="it-IT" sz="2000" dirty="0"/>
-              <a:t> </a:t>
-            </a:r>
-            <a:r>
-              <a:rPr lang="it-IT" sz="2000" dirty="0" err="1"/>
-              <a:t>scaler</a:t>
-            </a:r>
-            <a:endParaRPr lang="it-IT" sz="2000" dirty="0"/>
-          </a:p>
-          <a:p>
-            <a:r>
-              <a:rPr lang="it-IT" sz="2000" dirty="0"/>
-              <a:t>Splitting dataset </a:t>
-            </a:r>
-            <a:r>
-              <a:rPr lang="it-IT" sz="2000" dirty="0" err="1"/>
-              <a:t>into</a:t>
-            </a:r>
-            <a:r>
-              <a:rPr lang="it-IT" sz="2000" dirty="0"/>
-              <a:t> </a:t>
-            </a:r>
-            <a:r>
-              <a:rPr lang="it-IT" sz="2000" dirty="0" err="1"/>
-              <a:t>train</a:t>
-            </a:r>
-            <a:r>
-              <a:rPr lang="it-IT" sz="2000" dirty="0"/>
-              <a:t> and </a:t>
-            </a:r>
-            <a:r>
-              <a:rPr lang="it-IT" sz="2000" dirty="0" err="1"/>
-              <a:t>validation</a:t>
-            </a:r>
-            <a:r>
-              <a:rPr lang="it-IT" sz="2000" dirty="0"/>
-              <a:t> set with </a:t>
-            </a:r>
-            <a:r>
-              <a:rPr lang="it-IT" sz="2000" dirty="0" err="1"/>
-              <a:t>train_test_split</a:t>
-            </a:r>
-            <a:r>
-              <a:rPr lang="it-IT" sz="2000" dirty="0"/>
-              <a:t> </a:t>
-            </a:r>
-            <a:r>
-              <a:rPr lang="it-IT" sz="2000" dirty="0" err="1"/>
-              <a:t>function</a:t>
-            </a:r>
-            <a:endParaRPr lang="it-IT" sz="2000" dirty="0"/>
+              <a:rPr lang="it-IT" dirty="0" err="1"/>
+              <a:t>get</a:t>
+            </a:r>
+            <a:r>
+              <a:rPr lang="it-IT" dirty="0"/>
+              <a:t> treatment </a:t>
+            </a:r>
+            <a:r>
+              <a:rPr lang="it-IT" dirty="0" err="1"/>
+              <a:t>compared</a:t>
+            </a:r>
+            <a:r>
+              <a:rPr lang="it-IT" dirty="0"/>
+              <a:t> to </a:t>
+            </a:r>
+            <a:r>
+              <a:rPr lang="it-IT" dirty="0" err="1"/>
+              <a:t>those</a:t>
+            </a:r>
+            <a:r>
+              <a:rPr lang="it-IT" dirty="0"/>
+              <a:t> </a:t>
+            </a:r>
+            <a:r>
+              <a:rPr lang="it-IT" dirty="0" err="1"/>
+              <a:t>without</a:t>
+            </a:r>
+            <a:r>
+              <a:rPr lang="it-IT" dirty="0"/>
+              <a:t> a family history, </a:t>
+            </a:r>
+            <a:r>
+              <a:rPr lang="it-IT" dirty="0" err="1"/>
+              <a:t>as</a:t>
+            </a:r>
+            <a:r>
+              <a:rPr lang="it-IT" dirty="0"/>
+              <a:t> </a:t>
+            </a:r>
+            <a:r>
+              <a:rPr lang="it-IT" dirty="0" err="1"/>
+              <a:t>they</a:t>
+            </a:r>
+            <a:r>
+              <a:rPr lang="it-IT" dirty="0"/>
+              <a:t> are more </a:t>
+            </a:r>
+            <a:r>
+              <a:rPr lang="it-IT" dirty="0" err="1"/>
+              <a:t>correlated</a:t>
+            </a:r>
+            <a:br>
+              <a:rPr lang="it-IT" dirty="0"/>
+            </a:br>
+            <a:endParaRPr lang="it-IT" dirty="0"/>
+          </a:p>
+          <a:p>
+            <a:br>
+              <a:rPr lang="it-IT" dirty="0"/>
+            </a:br>
+            <a:endParaRPr lang="it-IT" dirty="0"/>
           </a:p>
         </p:txBody>
       </p:sp>
     </p:spTree>
     <p:extLst>
       <p:ext uri="{BB962C8B-B14F-4D97-AF65-F5344CB8AC3E}">
-        <p14:creationId xmlns:p14="http://schemas.microsoft.com/office/powerpoint/2010/main" val="1663807188"/>
+        <p14:creationId xmlns:p14="http://schemas.microsoft.com/office/powerpoint/2010/main" val="3910177751"/>
       </p:ext>
     </p:extLst>
   </p:cSld>
@@ -4520,7 +4724,7 @@
           <p:cNvPr id="2" name="Titolo 1">
             <a:extLst>
               <a:ext uri="{FF2B5EF4-FFF2-40B4-BE49-F238E27FC236}">
-                <a16:creationId xmlns:a16="http://schemas.microsoft.com/office/drawing/2014/main" id="{89997709-69DA-4809-F0F4-9AF1A11C03B9}"/>
+                <a16:creationId xmlns:a16="http://schemas.microsoft.com/office/drawing/2014/main" id="{50282072-66D5-CEE7-1E94-1F86B5CE10B6}"/>
               </a:ext>
             </a:extLst>
           </p:cNvPr>
@@ -4540,7 +4744,7 @@
           <a:p>
             <a:r>
               <a:rPr lang="it-IT" sz="4000" dirty="0"/>
-              <a:t>PREDICTION MODELS</a:t>
+              <a:t>DATA encoding</a:t>
             </a:r>
           </a:p>
         </p:txBody>
@@ -4550,7 +4754,7 @@
           <p:cNvPr id="3" name="Segnaposto contenuto 2">
             <a:extLst>
               <a:ext uri="{FF2B5EF4-FFF2-40B4-BE49-F238E27FC236}">
-                <a16:creationId xmlns:a16="http://schemas.microsoft.com/office/drawing/2014/main" id="{D67E39DA-A9BF-5429-3F7D-E073742A264F}"/>
+                <a16:creationId xmlns:a16="http://schemas.microsoft.com/office/drawing/2014/main" id="{1F743A71-8CBD-C22F-429F-8C20CD5F0E47}"/>
               </a:ext>
             </a:extLst>
           </p:cNvPr>
@@ -4568,28 +4772,154 @@
           </a:bodyPr>
           <a:lstStyle/>
           <a:p>
-            <a:pPr marL="0" indent="0">
-              <a:buNone/>
-            </a:pPr>
-            <a:r>
-              <a:rPr lang="it-IT" sz="2000" dirty="0" err="1"/>
-              <a:t>Five</a:t>
-            </a:r>
-            <a:r>
-              <a:rPr lang="it-IT" sz="2000" dirty="0"/>
-              <a:t> models </a:t>
-            </a:r>
-            <a:r>
-              <a:rPr lang="it-IT" sz="2000" dirty="0" err="1"/>
-              <a:t>were</a:t>
-            </a:r>
-            <a:r>
-              <a:rPr lang="it-IT" sz="2000" dirty="0"/>
-              <a:t> </a:t>
-            </a:r>
-            <a:r>
-              <a:rPr lang="it-IT" sz="2000" dirty="0" err="1"/>
-              <a:t>used</a:t>
+            <a:r>
+              <a:rPr lang="it-IT" sz="2000" dirty="0"/>
+              <a:t>Features are </a:t>
+            </a:r>
+            <a:r>
+              <a:rPr lang="it-IT" sz="2000" dirty="0" err="1"/>
+              <a:t>encoded</a:t>
+            </a:r>
+            <a:r>
+              <a:rPr lang="it-IT" sz="2000" dirty="0"/>
+              <a:t> </a:t>
+            </a:r>
+            <a:r>
+              <a:rPr lang="it-IT" sz="2000" dirty="0" err="1"/>
+              <a:t>using</a:t>
+            </a:r>
+            <a:r>
+              <a:rPr lang="it-IT" sz="2000" dirty="0"/>
+              <a:t> </a:t>
+            </a:r>
+            <a:r>
+              <a:rPr lang="it-IT" sz="2000" dirty="0" err="1"/>
+              <a:t>LabelEncoder</a:t>
+            </a:r>
+            <a:r>
+              <a:rPr lang="it-IT" sz="2000" dirty="0"/>
+              <a:t> from </a:t>
+            </a:r>
+            <a:r>
+              <a:rPr lang="it-IT" sz="2000" dirty="0" err="1"/>
+              <a:t>sklearn.preprocessing</a:t>
+            </a:r>
+            <a:r>
+              <a:rPr lang="it-IT" sz="2000" dirty="0"/>
+              <a:t>, </a:t>
+            </a:r>
+            <a:r>
+              <a:rPr lang="it-IT" sz="2000" dirty="0" err="1"/>
+              <a:t>which</a:t>
+            </a:r>
+            <a:r>
+              <a:rPr lang="it-IT" sz="2000" dirty="0"/>
+              <a:t> </a:t>
+            </a:r>
+            <a:r>
+              <a:rPr lang="it-IT" sz="2000" dirty="0" err="1"/>
+              <a:t>encodes</a:t>
+            </a:r>
+            <a:r>
+              <a:rPr lang="it-IT" sz="2000" dirty="0"/>
+              <a:t> target labels with </a:t>
+            </a:r>
+            <a:r>
+              <a:rPr lang="it-IT" sz="2000" dirty="0" err="1"/>
+              <a:t>value</a:t>
+            </a:r>
+            <a:r>
+              <a:rPr lang="it-IT" sz="2000" dirty="0"/>
+              <a:t> </a:t>
+            </a:r>
+            <a:r>
+              <a:rPr lang="it-IT" sz="2000" dirty="0" err="1"/>
+              <a:t>between</a:t>
+            </a:r>
+            <a:r>
+              <a:rPr lang="it-IT" sz="2000" dirty="0"/>
+              <a:t> 0 and n_classes-1</a:t>
+            </a:r>
+          </a:p>
+          <a:p>
+            <a:r>
+              <a:rPr lang="it-IT" sz="2000" b="1" dirty="0"/>
+              <a:t>Scaling</a:t>
+            </a:r>
+            <a:r>
+              <a:rPr lang="it-IT" sz="2000" dirty="0"/>
+              <a:t>: the Age </a:t>
+            </a:r>
+            <a:r>
+              <a:rPr lang="it-IT" sz="2000" dirty="0" err="1"/>
+              <a:t>attribute</a:t>
+            </a:r>
+            <a:r>
+              <a:rPr lang="it-IT" sz="2000" dirty="0"/>
+              <a:t> </a:t>
+            </a:r>
+            <a:r>
+              <a:rPr lang="it-IT" sz="2000" dirty="0" err="1"/>
+              <a:t>is</a:t>
+            </a:r>
+            <a:r>
+              <a:rPr lang="it-IT" sz="2000" dirty="0"/>
+              <a:t> </a:t>
+            </a:r>
+            <a:r>
+              <a:rPr lang="it-IT" sz="2000" dirty="0" err="1"/>
+              <a:t>scaled</a:t>
+            </a:r>
+            <a:r>
+              <a:rPr lang="it-IT" sz="2000" dirty="0"/>
+              <a:t> to </a:t>
+            </a:r>
+            <a:r>
+              <a:rPr lang="it-IT" sz="2000" dirty="0" err="1"/>
+              <a:t>normalize</a:t>
+            </a:r>
+            <a:r>
+              <a:rPr lang="it-IT" sz="2000" dirty="0"/>
+              <a:t> </a:t>
+            </a:r>
+            <a:r>
+              <a:rPr lang="it-IT" sz="2000" dirty="0" err="1"/>
+              <a:t>values</a:t>
+            </a:r>
+            <a:r>
+              <a:rPr lang="it-IT" sz="2000" dirty="0"/>
+              <a:t> in the range [0,1] with the </a:t>
+            </a:r>
+            <a:r>
+              <a:rPr lang="it-IT" sz="2000" dirty="0" err="1"/>
+              <a:t>MinMax</a:t>
+            </a:r>
+            <a:r>
+              <a:rPr lang="it-IT" sz="2000" dirty="0"/>
+              <a:t> </a:t>
+            </a:r>
+            <a:r>
+              <a:rPr lang="it-IT" sz="2000" dirty="0" err="1"/>
+              <a:t>scaler</a:t>
+            </a:r>
+            <a:endParaRPr lang="it-IT" sz="2000" dirty="0"/>
+          </a:p>
+          <a:p>
+            <a:r>
+              <a:rPr lang="it-IT" sz="2000" dirty="0"/>
+              <a:t>Splitting dataset </a:t>
+            </a:r>
+            <a:r>
+              <a:rPr lang="it-IT" sz="2000" dirty="0" err="1"/>
+              <a:t>into</a:t>
+            </a:r>
+            <a:r>
+              <a:rPr lang="it-IT" sz="2000" dirty="0"/>
+              <a:t> </a:t>
+            </a:r>
+            <a:r>
+              <a:rPr lang="it-IT" sz="2000" dirty="0" err="1"/>
+              <a:t>train</a:t>
             </a:r>
             <a:r>
               <a:rPr lang="it-IT" sz="2000" dirty="0"/>
@@ -4597,96 +4927,23 @@
             </a:r>
             <a:r>
               <a:rPr lang="it-IT" sz="2000" dirty="0" err="1"/>
-              <a:t>tuned</a:t>
-            </a:r>
-            <a:r>
-              <a:rPr lang="it-IT" sz="2000" dirty="0"/>
-              <a:t> with </a:t>
-            </a:r>
-            <a:r>
-              <a:rPr lang="it-IT" sz="2000" dirty="0" err="1"/>
-              <a:t>their</a:t>
-            </a:r>
-            <a:r>
-              <a:rPr lang="it-IT" sz="2000" dirty="0"/>
-              <a:t> </a:t>
-            </a:r>
-            <a:r>
-              <a:rPr lang="it-IT" sz="2000" dirty="0" err="1"/>
-              <a:t>hyperparameters</a:t>
-            </a:r>
-            <a:r>
-              <a:rPr lang="it-IT" sz="2000" dirty="0"/>
-              <a:t>: </a:t>
-            </a:r>
-          </a:p>
-          <a:p>
-            <a:r>
-              <a:rPr lang="it-IT" sz="2000" dirty="0"/>
-              <a:t>Support </a:t>
-            </a:r>
-            <a:r>
-              <a:rPr lang="it-IT" sz="2000" dirty="0" err="1"/>
-              <a:t>Vector</a:t>
-            </a:r>
-            <a:r>
-              <a:rPr lang="it-IT" sz="2000" dirty="0"/>
-              <a:t> Machine</a:t>
-            </a:r>
-          </a:p>
-          <a:p>
-            <a:r>
-              <a:rPr lang="it-IT" sz="2000" dirty="0" err="1"/>
-              <a:t>Logistic</a:t>
-            </a:r>
-            <a:r>
-              <a:rPr lang="it-IT" sz="2000" dirty="0"/>
-              <a:t> </a:t>
-            </a:r>
-            <a:r>
-              <a:rPr lang="it-IT" sz="2000" dirty="0" err="1"/>
-              <a:t>Regressor</a:t>
-            </a:r>
-            <a:endParaRPr lang="it-IT" sz="2000" dirty="0"/>
-          </a:p>
-          <a:p>
-            <a:r>
-              <a:rPr lang="it-IT" sz="2000" dirty="0"/>
-              <a:t>K-</a:t>
-            </a:r>
-            <a:r>
-              <a:rPr lang="it-IT" sz="2000" dirty="0" err="1"/>
-              <a:t>Nearest</a:t>
-            </a:r>
-            <a:r>
-              <a:rPr lang="it-IT" sz="2000" dirty="0"/>
-              <a:t> </a:t>
-            </a:r>
-            <a:r>
-              <a:rPr lang="it-IT" sz="2000" dirty="0" err="1"/>
-              <a:t>Neighbor</a:t>
-            </a:r>
-            <a:endParaRPr lang="it-IT" sz="2000" dirty="0"/>
-          </a:p>
-          <a:p>
-            <a:r>
-              <a:rPr lang="it-IT" sz="2000" dirty="0"/>
-              <a:t>Random </a:t>
-            </a:r>
-            <a:r>
-              <a:rPr lang="it-IT" sz="2000" dirty="0" err="1"/>
-              <a:t>Forest</a:t>
-            </a:r>
-            <a:endParaRPr lang="it-IT" sz="2000" dirty="0"/>
-          </a:p>
-          <a:p>
-            <a:r>
-              <a:rPr lang="it-IT" sz="2000" dirty="0"/>
-              <a:t>XGB </a:t>
-            </a:r>
-            <a:r>
-              <a:rPr lang="it-IT" sz="2000" dirty="0" err="1"/>
-              <a:t>Classifier</a:t>
+              <a:t>validation</a:t>
+            </a:r>
+            <a:r>
+              <a:rPr lang="it-IT" sz="2000" dirty="0"/>
+              <a:t> set with </a:t>
+            </a:r>
+            <a:r>
+              <a:rPr lang="it-IT" sz="2000" dirty="0" err="1"/>
+              <a:t>train_test_split</a:t>
+            </a:r>
+            <a:r>
+              <a:rPr lang="it-IT" sz="2000" dirty="0"/>
+              <a:t> </a:t>
+            </a:r>
+            <a:r>
+              <a:rPr lang="it-IT" sz="2000" dirty="0" err="1"/>
+              <a:t>function</a:t>
             </a:r>
             <a:endParaRPr lang="it-IT" sz="2000" dirty="0"/>
           </a:p>
@@ -4695,7 +4952,7 @@
     </p:spTree>
     <p:extLst>
       <p:ext uri="{BB962C8B-B14F-4D97-AF65-F5344CB8AC3E}">
-        <p14:creationId xmlns:p14="http://schemas.microsoft.com/office/powerpoint/2010/main" val="2010826111"/>
+        <p14:creationId xmlns:p14="http://schemas.microsoft.com/office/powerpoint/2010/main" val="1663807188"/>
       </p:ext>
     </p:extLst>
   </p:cSld>
@@ -4727,7 +4984,7 @@
           <p:cNvPr id="2" name="Titolo 1">
             <a:extLst>
               <a:ext uri="{FF2B5EF4-FFF2-40B4-BE49-F238E27FC236}">
-                <a16:creationId xmlns:a16="http://schemas.microsoft.com/office/drawing/2014/main" id="{1B5E28E8-DF90-8649-142F-65733F0F8B04}"/>
+                <a16:creationId xmlns:a16="http://schemas.microsoft.com/office/drawing/2014/main" id="{89997709-69DA-4809-F0F4-9AF1A11C03B9}"/>
               </a:ext>
             </a:extLst>
           </p:cNvPr>
@@ -4757,7 +5014,7 @@
           <p:cNvPr id="3" name="Segnaposto contenuto 2">
             <a:extLst>
               <a:ext uri="{FF2B5EF4-FFF2-40B4-BE49-F238E27FC236}">
-                <a16:creationId xmlns:a16="http://schemas.microsoft.com/office/drawing/2014/main" id="{64471057-CB3F-0985-6E3E-16C4D7927530}"/>
+                <a16:creationId xmlns:a16="http://schemas.microsoft.com/office/drawing/2014/main" id="{D67E39DA-A9BF-5429-3F7D-E073742A264F}"/>
               </a:ext>
             </a:extLst>
           </p:cNvPr>
@@ -4775,173 +5032,134 @@
           </a:bodyPr>
           <a:lstStyle/>
           <a:p>
-            <a:r>
-              <a:rPr lang="it-IT" sz="2000" dirty="0"/>
-              <a:t>Cross </a:t>
-            </a:r>
-            <a:r>
-              <a:rPr lang="it-IT" sz="2000" dirty="0" err="1"/>
-              <a:t>validation</a:t>
-            </a:r>
-            <a:r>
-              <a:rPr lang="it-IT" sz="2000" dirty="0"/>
-              <a:t> </a:t>
-            </a:r>
-            <a:r>
-              <a:rPr lang="it-IT" sz="2000" dirty="0" err="1"/>
-              <a:t>is</a:t>
-            </a:r>
-            <a:r>
-              <a:rPr lang="it-IT" sz="2000" dirty="0"/>
-              <a:t> </a:t>
-            </a:r>
-            <a:r>
-              <a:rPr lang="it-IT" sz="2000" dirty="0" err="1"/>
-              <a:t>applied</a:t>
-            </a:r>
-            <a:r>
-              <a:rPr lang="it-IT" sz="2000" dirty="0"/>
-              <a:t> on the </a:t>
-            </a:r>
-            <a:r>
-              <a:rPr lang="it-IT" sz="2000" dirty="0" err="1"/>
-              <a:t>defined</a:t>
-            </a:r>
-            <a:r>
-              <a:rPr lang="it-IT" sz="2000" dirty="0"/>
-              <a:t> models, tuning </a:t>
-            </a:r>
-            <a:r>
-              <a:rPr lang="it-IT" sz="2000" dirty="0" err="1"/>
-              <a:t>them</a:t>
-            </a:r>
-            <a:r>
-              <a:rPr lang="it-IT" sz="2000" dirty="0"/>
-              <a:t> for </a:t>
-            </a:r>
-            <a:r>
-              <a:rPr lang="it-IT" sz="2000" dirty="0" err="1"/>
-              <a:t>both</a:t>
-            </a:r>
-            <a:r>
-              <a:rPr lang="it-IT" sz="2000" dirty="0"/>
-              <a:t> </a:t>
-            </a:r>
-            <a:r>
-              <a:rPr lang="it-IT" sz="2000" dirty="0" err="1"/>
-              <a:t>accuracy</a:t>
-            </a:r>
-            <a:r>
-              <a:rPr lang="it-IT" sz="2000" dirty="0"/>
-              <a:t> and F1-macro score, </a:t>
-            </a:r>
-            <a:r>
-              <a:rPr lang="it-IT" sz="2000" dirty="0" err="1"/>
-              <a:t>while</a:t>
-            </a:r>
-            <a:r>
-              <a:rPr lang="it-IT" sz="2000" dirty="0"/>
-              <a:t> the best models are </a:t>
-            </a:r>
-            <a:r>
-              <a:rPr lang="it-IT" sz="2000" dirty="0" err="1"/>
-              <a:t>saved</a:t>
+            <a:pPr marL="0" indent="0">
+              <a:buNone/>
+            </a:pPr>
+            <a:r>
+              <a:rPr lang="it-IT" sz="2000" dirty="0" err="1"/>
+              <a:t>Five</a:t>
+            </a:r>
+            <a:r>
+              <a:rPr lang="it-IT" sz="2000" dirty="0"/>
+              <a:t> models </a:t>
+            </a:r>
+            <a:r>
+              <a:rPr lang="it-IT" sz="2000" dirty="0" err="1"/>
+              <a:t>were</a:t>
+            </a:r>
+            <a:r>
+              <a:rPr lang="it-IT" sz="2000" dirty="0"/>
+              <a:t> </a:t>
+            </a:r>
+            <a:r>
+              <a:rPr lang="it-IT" sz="2000" dirty="0" err="1"/>
+              <a:t>used</a:t>
+            </a:r>
+            <a:r>
+              <a:rPr lang="it-IT" sz="2000" dirty="0"/>
+              <a:t> and </a:t>
+            </a:r>
+            <a:r>
+              <a:rPr lang="it-IT" sz="2000" dirty="0" err="1"/>
+              <a:t>tuned</a:t>
+            </a:r>
+            <a:r>
+              <a:rPr lang="it-IT" sz="2000" dirty="0"/>
+              <a:t> with </a:t>
+            </a:r>
+            <a:r>
+              <a:rPr lang="it-IT" sz="2000" dirty="0" err="1"/>
+              <a:t>their</a:t>
+            </a:r>
+            <a:r>
+              <a:rPr lang="it-IT" sz="2000" dirty="0"/>
+              <a:t> </a:t>
+            </a:r>
+            <a:r>
+              <a:rPr lang="it-IT" sz="2000" dirty="0" err="1"/>
+              <a:t>hyperparameters</a:t>
+            </a:r>
+            <a:r>
+              <a:rPr lang="it-IT" sz="2000" dirty="0"/>
+              <a:t>: </a:t>
+            </a:r>
+          </a:p>
+          <a:p>
+            <a:r>
+              <a:rPr lang="it-IT" sz="2000" dirty="0"/>
+              <a:t>Support </a:t>
+            </a:r>
+            <a:r>
+              <a:rPr lang="it-IT" sz="2000" dirty="0" err="1"/>
+              <a:t>Vector</a:t>
+            </a:r>
+            <a:r>
+              <a:rPr lang="it-IT" sz="2000" dirty="0"/>
+              <a:t> Machine</a:t>
+            </a:r>
+          </a:p>
+          <a:p>
+            <a:r>
+              <a:rPr lang="it-IT" sz="2000" dirty="0" err="1"/>
+              <a:t>Logistic</a:t>
+            </a:r>
+            <a:r>
+              <a:rPr lang="it-IT" sz="2000" dirty="0"/>
+              <a:t> </a:t>
+            </a:r>
+            <a:r>
+              <a:rPr lang="it-IT" sz="2000" dirty="0" err="1"/>
+              <a:t>Regressor</a:t>
             </a:r>
             <a:endParaRPr lang="it-IT" sz="2000" dirty="0"/>
           </a:p>
           <a:p>
+            <a:r>
+              <a:rPr lang="it-IT" sz="2000" dirty="0"/>
+              <a:t>K-</a:t>
+            </a:r>
+            <a:r>
+              <a:rPr lang="it-IT" sz="2000" dirty="0" err="1"/>
+              <a:t>Nearest</a:t>
+            </a:r>
+            <a:r>
+              <a:rPr lang="it-IT" sz="2000" dirty="0"/>
+              <a:t> </a:t>
+            </a:r>
+            <a:r>
+              <a:rPr lang="it-IT" sz="2000" dirty="0" err="1"/>
+              <a:t>Neighbor</a:t>
+            </a:r>
             <a:endParaRPr lang="it-IT" sz="2000" dirty="0"/>
           </a:p>
           <a:p>
             <a:r>
               <a:rPr lang="it-IT" sz="2000" dirty="0"/>
-              <a:t>For </a:t>
-            </a:r>
-            <a:r>
-              <a:rPr lang="it-IT" sz="2000" dirty="0" err="1"/>
-              <a:t>each</a:t>
-            </a:r>
-            <a:r>
-              <a:rPr lang="it-IT" sz="2000" dirty="0"/>
-              <a:t> model, the best </a:t>
-            </a:r>
-            <a:r>
-              <a:rPr lang="it-IT" sz="2000" dirty="0" err="1"/>
-              <a:t>parameters</a:t>
-            </a:r>
-            <a:r>
-              <a:rPr lang="it-IT" sz="2000" dirty="0"/>
-              <a:t> </a:t>
-            </a:r>
-            <a:r>
-              <a:rPr lang="it-IT" sz="2000" dirty="0" err="1"/>
-              <a:t>found</a:t>
-            </a:r>
-            <a:r>
-              <a:rPr lang="it-IT" sz="2000" dirty="0"/>
-              <a:t> are printed in output, </a:t>
-            </a:r>
-            <a:r>
-              <a:rPr lang="it-IT" sz="2000" dirty="0" err="1"/>
-              <a:t>as</a:t>
-            </a:r>
-            <a:r>
-              <a:rPr lang="it-IT" sz="2000" dirty="0"/>
-              <a:t> </a:t>
-            </a:r>
-            <a:r>
-              <a:rPr lang="it-IT" sz="2000" dirty="0" err="1"/>
-              <a:t>well</a:t>
-            </a:r>
-            <a:r>
-              <a:rPr lang="it-IT" sz="2000" dirty="0"/>
-              <a:t> </a:t>
-            </a:r>
-            <a:r>
-              <a:rPr lang="it-IT" sz="2000" dirty="0" err="1"/>
-              <a:t>as</a:t>
-            </a:r>
-            <a:r>
-              <a:rPr lang="it-IT" sz="2000" dirty="0"/>
-              <a:t> </a:t>
-            </a:r>
-            <a:r>
-              <a:rPr lang="it-IT" sz="2000" dirty="0" err="1"/>
-              <a:t>its</a:t>
-            </a:r>
-            <a:r>
-              <a:rPr lang="it-IT" sz="2000" dirty="0"/>
-              <a:t>:</a:t>
-            </a:r>
-          </a:p>
-          <a:p>
-            <a:pPr lvl="1"/>
-            <a:r>
-              <a:rPr lang="it-IT" sz="2000" dirty="0" err="1"/>
-              <a:t>Accuracy</a:t>
+              <a:t>Random </a:t>
+            </a:r>
+            <a:r>
+              <a:rPr lang="it-IT" sz="2000" dirty="0" err="1"/>
+              <a:t>Forest</a:t>
             </a:r>
             <a:endParaRPr lang="it-IT" sz="2000" dirty="0"/>
           </a:p>
           <a:p>
-            <a:pPr lvl="1"/>
-            <a:r>
-              <a:rPr lang="it-IT" sz="2000" dirty="0"/>
-              <a:t>F1-Macro</a:t>
-            </a:r>
-          </a:p>
-          <a:p>
-            <a:pPr lvl="1"/>
-            <a:r>
-              <a:rPr lang="it-IT" sz="2000" dirty="0"/>
-              <a:t>ROC-Curve plot with AUC score</a:t>
-            </a:r>
+            <a:r>
+              <a:rPr lang="it-IT" sz="2000" dirty="0"/>
+              <a:t>XGB </a:t>
+            </a:r>
+            <a:r>
+              <a:rPr lang="it-IT" sz="2000" dirty="0" err="1"/>
+              <a:t>Classifier</a:t>
+            </a:r>
+            <a:endParaRPr lang="it-IT" sz="2000" dirty="0"/>
           </a:p>
         </p:txBody>
       </p:sp>
     </p:spTree>
     <p:extLst>
       <p:ext uri="{BB962C8B-B14F-4D97-AF65-F5344CB8AC3E}">
-        <p14:creationId xmlns:p14="http://schemas.microsoft.com/office/powerpoint/2010/main" val="2408688973"/>
+        <p14:creationId xmlns:p14="http://schemas.microsoft.com/office/powerpoint/2010/main" val="2010826111"/>
       </p:ext>
     </p:extLst>
   </p:cSld>
@@ -4973,7 +5191,7 @@
           <p:cNvPr id="2" name="Titolo 1">
             <a:extLst>
               <a:ext uri="{FF2B5EF4-FFF2-40B4-BE49-F238E27FC236}">
-                <a16:creationId xmlns:a16="http://schemas.microsoft.com/office/drawing/2014/main" id="{ABA5E4D9-A355-1AFA-64EC-0E3FDB1D4FDA}"/>
+                <a16:creationId xmlns:a16="http://schemas.microsoft.com/office/drawing/2014/main" id="{1B5E28E8-DF90-8649-142F-65733F0F8B04}"/>
               </a:ext>
             </a:extLst>
           </p:cNvPr>
@@ -4984,12 +5202,7 @@
             <p:ph type="title"/>
           </p:nvPr>
         </p:nvSpPr>
-        <p:spPr>
-          <a:xfrm>
-            <a:off x="581192" y="580386"/>
-            <a:ext cx="11029616" cy="1013800"/>
-          </a:xfrm>
-        </p:spPr>
+        <p:spPr/>
         <p:txBody>
           <a:bodyPr>
             <a:normAutofit/>
@@ -4997,20 +5210,8 @@
           <a:lstStyle/>
           <a:p>
             <a:r>
-              <a:rPr lang="it-IT" sz="4000" dirty="0" err="1"/>
-              <a:t>Results</a:t>
-            </a:r>
-            <a:r>
               <a:rPr lang="it-IT" sz="4000" dirty="0"/>
-              <a:t> of </a:t>
-            </a:r>
-            <a:r>
-              <a:rPr lang="it-IT" sz="4000" dirty="0" err="1"/>
-              <a:t>classifiers</a:t>
-            </a:r>
-            <a:r>
-              <a:rPr lang="it-IT" sz="4000" dirty="0"/>
-              <a:t> (i)</a:t>
+              <a:t>PREDICTION MODELS</a:t>
             </a:r>
           </a:p>
         </p:txBody>
@@ -5020,7 +5221,7 @@
           <p:cNvPr id="3" name="Segnaposto contenuto 2">
             <a:extLst>
               <a:ext uri="{FF2B5EF4-FFF2-40B4-BE49-F238E27FC236}">
-                <a16:creationId xmlns:a16="http://schemas.microsoft.com/office/drawing/2014/main" id="{CB0FDFE5-D2C9-1A3C-9870-A9BE83BA96E3}"/>
+                <a16:creationId xmlns:a16="http://schemas.microsoft.com/office/drawing/2014/main" id="{64471057-CB3F-0985-6E3E-16C4D7927530}"/>
               </a:ext>
             </a:extLst>
           </p:cNvPr>
@@ -5033,8 +5234,8 @@
         </p:nvSpPr>
         <p:spPr>
           <a:xfrm>
-            <a:off x="497841" y="2096770"/>
-            <a:ext cx="11112967" cy="4761230"/>
+            <a:off x="581192" y="2180496"/>
+            <a:ext cx="11029615" cy="3892926"/>
           </a:xfrm>
         </p:spPr>
         <p:txBody>
@@ -5043,32 +5244,166 @@
           </a:bodyPr>
           <a:lstStyle/>
           <a:p>
-            <a:pPr marL="0" indent="0">
-              <a:buNone/>
-            </a:pPr>
-            <a:r>
-              <a:rPr lang="it-IT" b="1" dirty="0"/>
-              <a:t>1) Support </a:t>
-            </a:r>
-            <a:r>
-              <a:rPr lang="it-IT" b="1" dirty="0" err="1"/>
-              <a:t>Vector</a:t>
-            </a:r>
-            <a:r>
-              <a:rPr lang="it-IT" b="1" dirty="0"/>
-              <a:t> Machine</a:t>
-            </a:r>
-            <a:endParaRPr lang="it-IT" dirty="0"/>
+            <a:r>
+              <a:rPr lang="it-IT" sz="2000" dirty="0"/>
+              <a:t>Cross </a:t>
+            </a:r>
+            <a:r>
+              <a:rPr lang="it-IT" sz="2000" dirty="0" err="1"/>
+              <a:t>validation</a:t>
+            </a:r>
+            <a:r>
+              <a:rPr lang="it-IT" sz="2000" dirty="0"/>
+              <a:t> </a:t>
+            </a:r>
+            <a:r>
+              <a:rPr lang="it-IT" sz="2000" dirty="0" err="1"/>
+              <a:t>is</a:t>
+            </a:r>
+            <a:r>
+              <a:rPr lang="it-IT" sz="2000" dirty="0"/>
+              <a:t> </a:t>
+            </a:r>
+            <a:r>
+              <a:rPr lang="it-IT" sz="2000" dirty="0" err="1"/>
+              <a:t>applied</a:t>
+            </a:r>
+            <a:r>
+              <a:rPr lang="it-IT" sz="2000" dirty="0"/>
+              <a:t> on the </a:t>
+            </a:r>
+            <a:r>
+              <a:rPr lang="it-IT" sz="2000" dirty="0" err="1"/>
+              <a:t>defined</a:t>
+            </a:r>
+            <a:r>
+              <a:rPr lang="it-IT" sz="2000" dirty="0"/>
+              <a:t> models, tuning </a:t>
+            </a:r>
+            <a:r>
+              <a:rPr lang="it-IT" sz="2000" dirty="0" err="1"/>
+              <a:t>them</a:t>
+            </a:r>
+            <a:r>
+              <a:rPr lang="it-IT" sz="2000" dirty="0"/>
+              <a:t> for </a:t>
+            </a:r>
+            <a:r>
+              <a:rPr lang="it-IT" sz="2000" dirty="0" err="1"/>
+              <a:t>both</a:t>
+            </a:r>
+            <a:r>
+              <a:rPr lang="it-IT" sz="2000" dirty="0"/>
+              <a:t> </a:t>
+            </a:r>
+            <a:r>
+              <a:rPr lang="it-IT" sz="2000" dirty="0" err="1"/>
+              <a:t>accuracy</a:t>
+            </a:r>
+            <a:r>
+              <a:rPr lang="it-IT" sz="2000" dirty="0"/>
+              <a:t> and F1-score, </a:t>
+            </a:r>
+            <a:r>
+              <a:rPr lang="it-IT" sz="2000" dirty="0" err="1"/>
+              <a:t>while</a:t>
+            </a:r>
+            <a:r>
+              <a:rPr lang="it-IT" sz="2000" dirty="0"/>
+              <a:t> the best models are </a:t>
+            </a:r>
+            <a:r>
+              <a:rPr lang="it-IT" sz="2000" dirty="0" err="1"/>
+              <a:t>saved</a:t>
+            </a:r>
+            <a:endParaRPr lang="it-IT" sz="2000" dirty="0"/>
+          </a:p>
+          <a:p>
+            <a:endParaRPr lang="it-IT" sz="2000" dirty="0"/>
+          </a:p>
+          <a:p>
+            <a:r>
+              <a:rPr lang="it-IT" sz="2000" dirty="0"/>
+              <a:t>For </a:t>
+            </a:r>
+            <a:r>
+              <a:rPr lang="it-IT" sz="2000" dirty="0" err="1"/>
+              <a:t>each</a:t>
+            </a:r>
+            <a:r>
+              <a:rPr lang="it-IT" sz="2000" dirty="0"/>
+              <a:t> model, the best </a:t>
+            </a:r>
+            <a:r>
+              <a:rPr lang="it-IT" sz="2000" dirty="0" err="1"/>
+              <a:t>parameters</a:t>
+            </a:r>
+            <a:r>
+              <a:rPr lang="it-IT" sz="2000" dirty="0"/>
+              <a:t> </a:t>
+            </a:r>
+            <a:r>
+              <a:rPr lang="it-IT" sz="2000" dirty="0" err="1"/>
+              <a:t>found</a:t>
+            </a:r>
+            <a:r>
+              <a:rPr lang="it-IT" sz="2000" dirty="0"/>
+              <a:t> are printed in output, </a:t>
+            </a:r>
+            <a:r>
+              <a:rPr lang="it-IT" sz="2000" dirty="0" err="1"/>
+              <a:t>as</a:t>
+            </a:r>
+            <a:r>
+              <a:rPr lang="it-IT" sz="2000" dirty="0"/>
+              <a:t> </a:t>
+            </a:r>
+            <a:r>
+              <a:rPr lang="it-IT" sz="2000" dirty="0" err="1"/>
+              <a:t>well</a:t>
+            </a:r>
+            <a:r>
+              <a:rPr lang="it-IT" sz="2000" dirty="0"/>
+              <a:t> </a:t>
+            </a:r>
+            <a:r>
+              <a:rPr lang="it-IT" sz="2000" dirty="0" err="1"/>
+              <a:t>as</a:t>
+            </a:r>
+            <a:r>
+              <a:rPr lang="it-IT" sz="2000" dirty="0"/>
+              <a:t> </a:t>
+            </a:r>
+            <a:r>
+              <a:rPr lang="it-IT" sz="2000" dirty="0" err="1"/>
+              <a:t>their</a:t>
+            </a:r>
+            <a:r>
+              <a:rPr lang="it-IT" sz="2000" dirty="0"/>
+              <a:t>:</a:t>
+            </a:r>
           </a:p>
           <a:p>
             <a:pPr lvl="1"/>
             <a:r>
+              <a:rPr lang="it-IT" sz="2000" dirty="0" err="1"/>
+              <a:t>Accuracy</a:t>
+            </a:r>
+            <a:endParaRPr lang="it-IT" sz="2000" dirty="0"/>
+          </a:p>
+          <a:p>
+            <a:pPr lvl="1"/>
+            <a:r>
+              <a:rPr lang="it-IT" sz="2000" dirty="0"/>
+              <a:t>F1-score </a:t>
+            </a:r>
+            <a:r>
               <a:rPr lang="it-IT" sz="1800" dirty="0"/>
-              <a:t>Best </a:t>
+              <a:t>(</a:t>
             </a:r>
             <a:r>
               <a:rPr lang="it-IT" sz="1800" dirty="0" err="1"/>
-              <a:t>parameters</a:t>
+              <a:t>harmonic</a:t>
             </a:r>
             <a:r>
               <a:rPr lang="it-IT" sz="1800" dirty="0"/>
@@ -5076,97 +5411,82 @@
             </a:r>
             <a:r>
               <a:rPr lang="it-IT" sz="1800" dirty="0" err="1"/>
-              <a:t>found</a:t>
+              <a:t>mean</a:t>
             </a:r>
             <a:r>
               <a:rPr lang="it-IT" sz="1800" dirty="0"/>
-              <a:t>: {'C': 10, '</a:t>
+              <a:t> of </a:t>
             </a:r>
             <a:r>
               <a:rPr lang="it-IT" sz="1800" dirty="0" err="1"/>
-              <a:t>cache_size</a:t>
+              <a:t>precision</a:t>
             </a:r>
             <a:r>
               <a:rPr lang="it-IT" sz="1800" dirty="0"/>
-              <a:t>': 8000, 'gamma': 'scale', 'kernel': '</a:t>
+              <a:t> and recall)</a:t>
+            </a:r>
+          </a:p>
+          <a:p>
+            <a:pPr lvl="1"/>
+            <a:r>
+              <a:rPr lang="it-IT" sz="2000" dirty="0"/>
+              <a:t>ROC-Curve plot with AUC score </a:t>
+            </a:r>
+            <a:r>
+              <a:rPr lang="it-IT" sz="1800" dirty="0"/>
+              <a:t>(performance </a:t>
             </a:r>
             <a:r>
               <a:rPr lang="it-IT" sz="1800" dirty="0" err="1"/>
-              <a:t>rbf</a:t>
+              <a:t>metric</a:t>
             </a:r>
             <a:r>
               <a:rPr lang="it-IT" sz="1800" dirty="0"/>
-              <a:t>', '</a:t>
+              <a:t> for </a:t>
             </a:r>
             <a:r>
               <a:rPr lang="it-IT" sz="1800" dirty="0" err="1"/>
-              <a:t>probability</a:t>
+              <a:t>classification</a:t>
             </a:r>
             <a:r>
               <a:rPr lang="it-IT" sz="1800" dirty="0"/>
-              <a:t>': True}</a:t>
-            </a:r>
-          </a:p>
-          <a:p>
-            <a:pPr lvl="1"/>
+              <a:t> </a:t>
+            </a:r>
             <a:r>
               <a:rPr lang="it-IT" sz="1800" dirty="0" err="1"/>
-              <a:t>Accuracy</a:t>
+              <a:t>problems</a:t>
             </a:r>
             <a:r>
               <a:rPr lang="it-IT" sz="1800" dirty="0"/>
-              <a:t>: 0.71</a:t>
-            </a:r>
-          </a:p>
-          <a:p>
-            <a:pPr lvl="1"/>
+              <a:t>: </a:t>
+            </a:r>
+            <a:r>
+              <a:rPr lang="it-IT" sz="1800" dirty="0" err="1"/>
+              <a:t>it</a:t>
+            </a:r>
             <a:r>
               <a:rPr lang="it-IT" sz="1800" dirty="0"/>
-              <a:t>F1-macro: 0.71</a:t>
-            </a:r>
-          </a:p>
-          <a:p>
-            <a:pPr lvl="1"/>
+              <a:t> </a:t>
+            </a:r>
+            <a:r>
+              <a:rPr lang="it-IT" sz="1800" dirty="0" err="1"/>
+              <a:t>gives</a:t>
+            </a:r>
             <a:r>
               <a:rPr lang="it-IT" sz="1800" dirty="0"/>
-              <a:t>ROC-AUC score: 0.78</a:t>
-            </a:r>
-          </a:p>
-          <a:p>
-            <a:pPr lvl="1"/>
-            <a:endParaRPr lang="it-IT" sz="1800" dirty="0"/>
-          </a:p>
-          <a:p>
-            <a:pPr marL="0" indent="0">
-              <a:buNone/>
-            </a:pPr>
-            <a:r>
-              <a:rPr lang="it-IT" b="1" dirty="0"/>
-              <a:t>2) </a:t>
-            </a:r>
-            <a:r>
-              <a:rPr lang="it-IT" b="1" dirty="0" err="1"/>
-              <a:t>Logistic</a:t>
-            </a:r>
-            <a:r>
-              <a:rPr lang="it-IT" b="1" dirty="0"/>
-              <a:t> </a:t>
-            </a:r>
-            <a:r>
-              <a:rPr lang="it-IT" b="1" dirty="0" err="1"/>
-              <a:t>Regressor</a:t>
-            </a:r>
-            <a:endParaRPr lang="it-IT" dirty="0"/>
-          </a:p>
-          <a:p>
-            <a:pPr lvl="1"/>
+              <a:t> an </a:t>
+            </a:r>
+            <a:r>
+              <a:rPr lang="it-IT" sz="1800" dirty="0" err="1"/>
+              <a:t>indication</a:t>
+            </a:r>
             <a:r>
               <a:rPr lang="it-IT" sz="1800" dirty="0"/>
-              <a:t>Best </a:t>
+              <a:t> of </a:t>
             </a:r>
             <a:r>
               <a:rPr lang="it-IT" sz="1800" dirty="0" err="1"/>
-              <a:t>parameters</a:t>
+              <a:t>how</a:t>
             </a:r>
             <a:r>
               <a:rPr lang="it-IT" sz="1800" dirty="0"/>
@@ -5174,96 +5494,99 @@
             </a:r>
             <a:r>
               <a:rPr lang="it-IT" sz="1800" dirty="0" err="1"/>
-              <a:t>found</a:t>
+              <a:t>much</a:t>
             </a:r>
             <a:r>
               <a:rPr lang="it-IT" sz="1800" dirty="0"/>
-              <a:t>: {'C': 3, '</a:t>
+              <a:t> the model </a:t>
             </a:r>
             <a:r>
               <a:rPr lang="it-IT" sz="1800" dirty="0" err="1"/>
-              <a:t>max_iter</a:t>
+              <a:t>is</a:t>
             </a:r>
             <a:r>
               <a:rPr lang="it-IT" sz="1800" dirty="0"/>
-              <a:t>': 100, 'solver': '</a:t>
+              <a:t> </a:t>
             </a:r>
             <a:r>
               <a:rPr lang="it-IT" sz="1800" dirty="0" err="1"/>
-              <a:t>lbfgs</a:t>
+              <a:t>capable</a:t>
             </a:r>
             <a:r>
               <a:rPr lang="it-IT" sz="1800" dirty="0"/>
-              <a:t>'}</a:t>
-            </a:r>
-          </a:p>
-          <a:p>
-            <a:pPr lvl="1"/>
+              <a:t> of </a:t>
+            </a:r>
             <a:r>
               <a:rPr lang="it-IT" sz="1800" dirty="0" err="1"/>
-              <a:t>Accuracy</a:t>
+              <a:t>distinguishing</a:t>
             </a:r>
             <a:r>
               <a:rPr lang="it-IT" sz="1800" dirty="0"/>
-              <a:t>: 0.72</a:t>
-            </a:r>
-          </a:p>
-          <a:p>
-            <a:pPr lvl="1"/>
+              <a:t> </a:t>
+            </a:r>
+            <a:r>
+              <a:rPr lang="it-IT" sz="1800" dirty="0" err="1"/>
+              <a:t>between</a:t>
+            </a:r>
             <a:r>
               <a:rPr lang="it-IT" sz="1800" dirty="0"/>
-              <a:t>F1-macro: 0.72</a:t>
-            </a:r>
-          </a:p>
-          <a:p>
-            <a:pPr lvl="1"/>
+              <a:t> classes: the </a:t>
+            </a:r>
+            <a:r>
+              <a:rPr lang="it-IT" sz="1800" dirty="0" err="1"/>
+              <a:t>higher</a:t>
+            </a:r>
             <a:r>
               <a:rPr lang="it-IT" sz="1800" dirty="0"/>
-              <a:t>ROC-AUC score: 0.78</a:t>
-            </a:r>
-            <a:endParaRPr lang="it-IT" dirty="0"/>
-          </a:p>
-          <a:p>
-            <a:endParaRPr lang="it-IT" dirty="0"/>
-          </a:p>
-        </p:txBody>
-      </p:sp>
-      <p:sp>
-        <p:nvSpPr>
-          <p:cNvPr id="5" name="CasellaDiTesto 4">
-            <a:extLst>
-              <a:ext uri="{FF2B5EF4-FFF2-40B4-BE49-F238E27FC236}">
-                <a16:creationId xmlns:a16="http://schemas.microsoft.com/office/drawing/2014/main" id="{F5D37D8F-DA70-A694-6435-296F5DF378D2}"/>
-              </a:ext>
-            </a:extLst>
-          </p:cNvPr>
-          <p:cNvSpPr txBox="1"/>
-          <p:nvPr/>
-        </p:nvSpPr>
-        <p:spPr>
-          <a:xfrm>
-            <a:off x="1648178" y="2856089"/>
-            <a:ext cx="184731" cy="369332"/>
-          </a:xfrm>
-          <a:prstGeom prst="rect">
-            <a:avLst/>
-          </a:prstGeom>
-          <a:noFill/>
-        </p:spPr>
-        <p:txBody>
-          <a:bodyPr wrap="none" rtlCol="0">
-            <a:spAutoFit/>
-          </a:bodyPr>
-          <a:lstStyle/>
-          <a:p>
-            <a:endParaRPr lang="it-IT" dirty="0"/>
+              <a:t> the </a:t>
+            </a:r>
+            <a:r>
+              <a:rPr lang="it-IT" sz="1800" dirty="0" err="1"/>
+              <a:t>better</a:t>
+            </a:r>
+            <a:r>
+              <a:rPr lang="it-IT" sz="1800" dirty="0"/>
+              <a:t> the model </a:t>
+            </a:r>
+            <a:r>
+              <a:rPr lang="it-IT" sz="1800" dirty="0" err="1"/>
+              <a:t>is</a:t>
+            </a:r>
+            <a:r>
+              <a:rPr lang="it-IT" sz="1800" dirty="0"/>
+              <a:t> </a:t>
+            </a:r>
+            <a:r>
+              <a:rPr lang="it-IT" sz="1800" dirty="0" err="1"/>
+              <a:t>at</a:t>
+            </a:r>
+            <a:r>
+              <a:rPr lang="it-IT" sz="1800" dirty="0"/>
+              <a:t> </a:t>
+            </a:r>
+            <a:r>
+              <a:rPr lang="it-IT" sz="1800" dirty="0" err="1"/>
+              <a:t>predicting</a:t>
+            </a:r>
+            <a:r>
+              <a:rPr lang="it-IT" sz="1800" dirty="0"/>
+              <a:t> the </a:t>
+            </a:r>
+            <a:r>
+              <a:rPr lang="it-IT" sz="1800" dirty="0" err="1"/>
+              <a:t>right</a:t>
+            </a:r>
+            <a:r>
+              <a:rPr lang="it-IT" sz="1800" dirty="0"/>
+              <a:t> class)</a:t>
+            </a:r>
           </a:p>
         </p:txBody>
       </p:sp>
     </p:spTree>
     <p:extLst>
       <p:ext uri="{BB962C8B-B14F-4D97-AF65-F5344CB8AC3E}">
-        <p14:creationId xmlns:p14="http://schemas.microsoft.com/office/powerpoint/2010/main" val="2151110481"/>
+        <p14:creationId xmlns:p14="http://schemas.microsoft.com/office/powerpoint/2010/main" val="2408688973"/>
       </p:ext>
     </p:extLst>
   </p:cSld>
@@ -5332,7 +5655,7 @@
             </a:r>
             <a:r>
               <a:rPr lang="it-IT" sz="4000" dirty="0"/>
-              <a:t> (II)</a:t>
+              <a:t> (i)</a:t>
             </a:r>
           </a:p>
         </p:txBody>
@@ -5355,8 +5678,8 @@
         </p:nvSpPr>
         <p:spPr>
           <a:xfrm>
-            <a:off x="497840" y="2143125"/>
-            <a:ext cx="11112967" cy="4714875"/>
+            <a:off x="497841" y="2096770"/>
+            <a:ext cx="11112967" cy="4761230"/>
           </a:xfrm>
         </p:spPr>
         <p:txBody>
@@ -5370,19 +5693,15 @@
             </a:pPr>
             <a:r>
               <a:rPr lang="it-IT" b="1" dirty="0"/>
-              <a:t>3) K-</a:t>
+              <a:t>1) Support </a:t>
             </a:r>
             <a:r>
               <a:rPr lang="it-IT" b="1" dirty="0" err="1"/>
-              <a:t>Nearest</a:t>
+              <a:t>Vector</a:t>
             </a:r>
             <a:r>
               <a:rPr lang="it-IT" b="1" dirty="0"/>
-              <a:t> </a:t>
-            </a:r>
-            <a:r>
-              <a:rPr lang="it-IT" b="1" dirty="0" err="1"/>
-              <a:t>Neighbor</a:t>
+              <a:t> Machine</a:t>
             </a:r>
             <a:endParaRPr lang="it-IT" dirty="0"/>
           </a:p>
@@ -5406,19 +5725,19 @@
             </a:r>
             <a:r>
               <a:rPr lang="it-IT" sz="1800" dirty="0"/>
-              <a:t>: {'</a:t>
+              <a:t>: {'C': 10, '</a:t>
             </a:r>
             <a:r>
               <a:rPr lang="it-IT" sz="1800" dirty="0" err="1"/>
-              <a:t>metric</a:t>
+              <a:t>cache_size</a:t>
             </a:r>
             <a:r>
               <a:rPr lang="it-IT" sz="1800" dirty="0"/>
-              <a:t>': '</a:t>
+              <a:t>': 8000, 'gamma': 'scale', 'kernel': '</a:t>
             </a:r>
             <a:r>
               <a:rPr lang="it-IT" sz="1800" dirty="0" err="1"/>
-              <a:t>manhattan</a:t>
+              <a:t>rbf</a:t>
             </a:r>
             <a:r>
               <a:rPr lang="it-IT" sz="1800" dirty="0"/>
@@ -5426,11 +5745,11 @@
             </a:r>
             <a:r>
               <a:rPr lang="it-IT" sz="1800" dirty="0" err="1"/>
-              <a:t>n_neighbors</a:t>
+              <a:t>probability</a:t>
             </a:r>
             <a:r>
               <a:rPr lang="it-IT" sz="1800" dirty="0"/>
-              <a:t>': 9}</a:t>
+              <a:t>': True}</a:t>
             </a:r>
           </a:p>
           <a:p>
@@ -5441,21 +5760,21 @@
             </a:r>
             <a:r>
               <a:rPr lang="it-IT" sz="1800" dirty="0"/>
-              <a:t>: 0.68</a:t>
+              <a:t>: 0.71</a:t>
             </a:r>
           </a:p>
           <a:p>
             <a:pPr lvl="1"/>
             <a:r>
               <a:rPr lang="it-IT" sz="1800" dirty="0"/>
-              <a:t>F1-macro: 0.68</a:t>
+              <a:t>F1-score: 0.70</a:t>
             </a:r>
           </a:p>
           <a:p>
             <a:pPr lvl="1"/>
             <a:r>
               <a:rPr lang="it-IT" sz="1800" dirty="0"/>
-              <a:t>ROC-AUC score: 0.73</a:t>
+              <a:t>ROC-AUC score: 0.78</a:t>
             </a:r>
           </a:p>
           <a:p>
@@ -5468,11 +5787,19 @@
             </a:pPr>
             <a:r>
               <a:rPr lang="it-IT" b="1" dirty="0"/>
-              <a:t>4) Random </a:t>
+              <a:t>2) </a:t>
             </a:r>
             <a:r>
               <a:rPr lang="it-IT" b="1" dirty="0" err="1"/>
-              <a:t>Forest</a:t>
+              <a:t>Logistic</a:t>
+            </a:r>
+            <a:r>
+              <a:rPr lang="it-IT" b="1" dirty="0"/>
+              <a:t> </a:t>
+            </a:r>
+            <a:r>
+              <a:rPr lang="it-IT" b="1" dirty="0" err="1"/>
+              <a:t>Regressor</a:t>
             </a:r>
             <a:endParaRPr lang="it-IT" dirty="0"/>
           </a:p>
@@ -5496,15 +5823,23 @@
             </a:r>
             <a:r>
               <a:rPr lang="it-IT" sz="1800" dirty="0"/>
-              <a:t>: {'</a:t>
+              <a:t>: {'C': 3, '</a:t>
             </a:r>
             <a:r>
               <a:rPr lang="it-IT" sz="1800" dirty="0" err="1"/>
-              <a:t>max_depth</a:t>
+              <a:t>max_iter</a:t>
             </a:r>
             <a:r>
               <a:rPr lang="it-IT" sz="1800" dirty="0"/>
-              <a:t>': 25}</a:t>
+              <a:t>': 100, 'solver': '</a:t>
+            </a:r>
+            <a:r>
+              <a:rPr lang="it-IT" sz="1800" dirty="0" err="1"/>
+              <a:t>lbfgs</a:t>
+            </a:r>
+            <a:r>
+              <a:rPr lang="it-IT" sz="1800" dirty="0"/>
+              <a:t>'}</a:t>
             </a:r>
           </a:p>
           <a:p>
@@ -5515,22 +5850,23 @@
             </a:r>
             <a:r>
               <a:rPr lang="it-IT" sz="1800" dirty="0"/>
-              <a:t>: 0.78</a:t>
+              <a:t>: 0.72</a:t>
             </a:r>
           </a:p>
           <a:p>
             <a:pPr lvl="1"/>
             <a:r>
               <a:rPr lang="it-IT" sz="1800" dirty="0"/>
-              <a:t>F1-macro: 0.78</a:t>
+              <a:t>F1-score: 0.71</a:t>
             </a:r>
           </a:p>
           <a:p>
             <a:pPr lvl="1"/>
             <a:r>
               <a:rPr lang="it-IT" sz="1800" dirty="0"/>
-              <a:t>ROC-AUC score: 0.83</a:t>
-            </a:r>
+              <a:t>ROC-AUC score: 0.78</a:t>
+            </a:r>
+            <a:endParaRPr lang="it-IT" dirty="0"/>
           </a:p>
           <a:p>
             <a:endParaRPr lang="it-IT" dirty="0"/>
@@ -5572,7 +5908,7 @@
     </p:spTree>
     <p:extLst>
       <p:ext uri="{BB962C8B-B14F-4D97-AF65-F5344CB8AC3E}">
-        <p14:creationId xmlns:p14="http://schemas.microsoft.com/office/powerpoint/2010/main" val="2545752985"/>
+        <p14:creationId xmlns:p14="http://schemas.microsoft.com/office/powerpoint/2010/main" val="2151110481"/>
       </p:ext>
     </p:extLst>
   </p:cSld>
@@ -5641,7 +5977,7 @@
             </a:r>
             <a:r>
               <a:rPr lang="it-IT" sz="4000" dirty="0"/>
-              <a:t> (III)</a:t>
+              <a:t> (II)</a:t>
             </a:r>
           </a:p>
         </p:txBody>
@@ -5665,7 +6001,7 @@
         <p:spPr>
           <a:xfrm>
             <a:off x="497840" y="2143125"/>
-            <a:ext cx="11112967" cy="4389755"/>
+            <a:ext cx="11112967" cy="4714875"/>
           </a:xfrm>
         </p:spPr>
         <p:txBody>
@@ -5679,11 +6015,19 @@
             </a:pPr>
             <a:r>
               <a:rPr lang="it-IT" b="1" dirty="0"/>
-              <a:t>5) XGB </a:t>
+              <a:t>3) K-</a:t>
             </a:r>
             <a:r>
               <a:rPr lang="it-IT" b="1" dirty="0" err="1"/>
-              <a:t>Classifier</a:t>
+              <a:t>Nearest</a:t>
+            </a:r>
+            <a:r>
+              <a:rPr lang="it-IT" b="1" dirty="0"/>
+              <a:t> </a:t>
+            </a:r>
+            <a:r>
+              <a:rPr lang="it-IT" b="1" dirty="0" err="1"/>
+              <a:t>Neighbor</a:t>
             </a:r>
             <a:endParaRPr lang="it-IT" dirty="0"/>
           </a:p>
@@ -5711,11 +6055,93 @@
             </a:r>
             <a:r>
               <a:rPr lang="it-IT" sz="1800" dirty="0" err="1"/>
-              <a:t>learning_rate</a:t>
+              <a:t>metric</a:t>
             </a:r>
             <a:r>
               <a:rPr lang="it-IT" sz="1800" dirty="0"/>
-              <a:t>': 0.05, '</a:t>
+              <a:t>': '</a:t>
+            </a:r>
+            <a:r>
+              <a:rPr lang="it-IT" sz="1800" dirty="0" err="1"/>
+              <a:t>manhattan</a:t>
+            </a:r>
+            <a:r>
+              <a:rPr lang="it-IT" sz="1800" dirty="0"/>
+              <a:t>', '</a:t>
+            </a:r>
+            <a:r>
+              <a:rPr lang="it-IT" sz="1800" dirty="0" err="1"/>
+              <a:t>n_neighbors</a:t>
+            </a:r>
+            <a:r>
+              <a:rPr lang="it-IT" sz="1800" dirty="0"/>
+              <a:t>': 9}</a:t>
+            </a:r>
+          </a:p>
+          <a:p>
+            <a:pPr lvl="1"/>
+            <a:r>
+              <a:rPr lang="it-IT" sz="1800" dirty="0" err="1"/>
+              <a:t>Accuracy</a:t>
+            </a:r>
+            <a:r>
+              <a:rPr lang="it-IT" sz="1800" dirty="0"/>
+              <a:t>: 0.68</a:t>
+            </a:r>
+          </a:p>
+          <a:p>
+            <a:pPr lvl="1"/>
+            <a:r>
+              <a:rPr lang="it-IT" sz="1800" dirty="0"/>
+              <a:t>F1-score: 0.64</a:t>
+            </a:r>
+          </a:p>
+          <a:p>
+            <a:pPr lvl="1"/>
+            <a:r>
+              <a:rPr lang="it-IT" sz="1800" dirty="0"/>
+              <a:t>ROC-AUC score: 0.73</a:t>
+            </a:r>
+          </a:p>
+          <a:p>
+            <a:pPr lvl="1"/>
+            <a:endParaRPr lang="it-IT" sz="1800" dirty="0"/>
+          </a:p>
+          <a:p>
+            <a:pPr marL="0" indent="0">
+              <a:buNone/>
+            </a:pPr>
+            <a:r>
+              <a:rPr lang="it-IT" b="1" dirty="0"/>
+              <a:t>4) Random </a:t>
+            </a:r>
+            <a:r>
+              <a:rPr lang="it-IT" b="1" dirty="0" err="1"/>
+              <a:t>Forest</a:t>
+            </a:r>
+            <a:endParaRPr lang="it-IT" dirty="0"/>
+          </a:p>
+          <a:p>
+            <a:pPr lvl="1"/>
+            <a:r>
+              <a:rPr lang="it-IT" sz="1800" dirty="0"/>
+              <a:t>Best </a:t>
+            </a:r>
+            <a:r>
+              <a:rPr lang="it-IT" sz="1800" dirty="0" err="1"/>
+              <a:t>parameters</a:t>
+            </a:r>
+            <a:r>
+              <a:rPr lang="it-IT" sz="1800" dirty="0"/>
+              <a:t> </a:t>
+            </a:r>
+            <a:r>
+              <a:rPr lang="it-IT" sz="1800" dirty="0" err="1"/>
+              <a:t>found</a:t>
+            </a:r>
+            <a:r>
+              <a:rPr lang="it-IT" sz="1800" dirty="0"/>
+              <a:t>: {'</a:t>
             </a:r>
             <a:r>
               <a:rPr lang="it-IT" sz="1800" dirty="0" err="1"/>
@@ -5723,15 +6149,7 @@
             </a:r>
             <a:r>
               <a:rPr lang="it-IT" sz="1800" dirty="0"/>
-              <a:t>': 3, '</a:t>
-            </a:r>
-            <a:r>
-              <a:rPr lang="it-IT" sz="1800" dirty="0" err="1"/>
-              <a:t>n_estimators</a:t>
-            </a:r>
-            <a:r>
-              <a:rPr lang="it-IT" sz="1800" dirty="0"/>
-              <a:t>': 50}</a:t>
+              <a:t>': 25}</a:t>
             </a:r>
           </a:p>
           <a:p>
@@ -5749,14 +6167,14 @@
             <a:pPr lvl="1"/>
             <a:r>
               <a:rPr lang="it-IT" sz="1800" dirty="0"/>
-              <a:t>F1-macro: 0.77</a:t>
+              <a:t>F1-score: 0.77</a:t>
             </a:r>
           </a:p>
           <a:p>
             <a:pPr lvl="1"/>
             <a:r>
               <a:rPr lang="it-IT" sz="1800" dirty="0"/>
-              <a:t>ROC-AUC score: 0.84</a:t>
+              <a:t>ROC-AUC score: 0.83</a:t>
             </a:r>
           </a:p>
           <a:p>
@@ -5799,7 +6217,7 @@
     </p:spTree>
     <p:extLst>
       <p:ext uri="{BB962C8B-B14F-4D97-AF65-F5344CB8AC3E}">
-        <p14:creationId xmlns:p14="http://schemas.microsoft.com/office/powerpoint/2010/main" val="3840594617"/>
+        <p14:creationId xmlns:p14="http://schemas.microsoft.com/office/powerpoint/2010/main" val="2545752985"/>
       </p:ext>
     </p:extLst>
   </p:cSld>
@@ -5831,6 +6249,233 @@
           <p:cNvPr id="2" name="Titolo 1">
             <a:extLst>
               <a:ext uri="{FF2B5EF4-FFF2-40B4-BE49-F238E27FC236}">
+                <a16:creationId xmlns:a16="http://schemas.microsoft.com/office/drawing/2014/main" id="{ABA5E4D9-A355-1AFA-64EC-0E3FDB1D4FDA}"/>
+              </a:ext>
+            </a:extLst>
+          </p:cNvPr>
+          <p:cNvSpPr>
+            <a:spLocks noGrp="1"/>
+          </p:cNvSpPr>
+          <p:nvPr>
+            <p:ph type="title"/>
+          </p:nvPr>
+        </p:nvSpPr>
+        <p:spPr>
+          <a:xfrm>
+            <a:off x="581192" y="580386"/>
+            <a:ext cx="11029616" cy="1013800"/>
+          </a:xfrm>
+        </p:spPr>
+        <p:txBody>
+          <a:bodyPr>
+            <a:normAutofit/>
+          </a:bodyPr>
+          <a:lstStyle/>
+          <a:p>
+            <a:r>
+              <a:rPr lang="it-IT" sz="4000" dirty="0" err="1"/>
+              <a:t>Results</a:t>
+            </a:r>
+            <a:r>
+              <a:rPr lang="it-IT" sz="4000" dirty="0"/>
+              <a:t> of </a:t>
+            </a:r>
+            <a:r>
+              <a:rPr lang="it-IT" sz="4000" dirty="0" err="1"/>
+              <a:t>classifiers</a:t>
+            </a:r>
+            <a:r>
+              <a:rPr lang="it-IT" sz="4000" dirty="0"/>
+              <a:t> (III)</a:t>
+            </a:r>
+          </a:p>
+        </p:txBody>
+      </p:sp>
+      <p:sp>
+        <p:nvSpPr>
+          <p:cNvPr id="3" name="Segnaposto contenuto 2">
+            <a:extLst>
+              <a:ext uri="{FF2B5EF4-FFF2-40B4-BE49-F238E27FC236}">
+                <a16:creationId xmlns:a16="http://schemas.microsoft.com/office/drawing/2014/main" id="{CB0FDFE5-D2C9-1A3C-9870-A9BE83BA96E3}"/>
+              </a:ext>
+            </a:extLst>
+          </p:cNvPr>
+          <p:cNvSpPr>
+            <a:spLocks noGrp="1"/>
+          </p:cNvSpPr>
+          <p:nvPr>
+            <p:ph idx="1"/>
+          </p:nvPr>
+        </p:nvSpPr>
+        <p:spPr>
+          <a:xfrm>
+            <a:off x="497840" y="2143125"/>
+            <a:ext cx="11112967" cy="4389755"/>
+          </a:xfrm>
+        </p:spPr>
+        <p:txBody>
+          <a:bodyPr>
+            <a:normAutofit/>
+          </a:bodyPr>
+          <a:lstStyle/>
+          <a:p>
+            <a:pPr marL="0" indent="0">
+              <a:buNone/>
+            </a:pPr>
+            <a:r>
+              <a:rPr lang="it-IT" b="1" dirty="0"/>
+              <a:t>5) XGB </a:t>
+            </a:r>
+            <a:r>
+              <a:rPr lang="it-IT" b="1" dirty="0" err="1"/>
+              <a:t>Classifier</a:t>
+            </a:r>
+            <a:endParaRPr lang="it-IT" dirty="0"/>
+          </a:p>
+          <a:p>
+            <a:pPr lvl="1"/>
+            <a:r>
+              <a:rPr lang="it-IT" sz="1800" dirty="0"/>
+              <a:t>Best </a:t>
+            </a:r>
+            <a:r>
+              <a:rPr lang="it-IT" sz="1800" dirty="0" err="1"/>
+              <a:t>parameters</a:t>
+            </a:r>
+            <a:r>
+              <a:rPr lang="it-IT" sz="1800" dirty="0"/>
+              <a:t> </a:t>
+            </a:r>
+            <a:r>
+              <a:rPr lang="it-IT" sz="1800" dirty="0" err="1"/>
+              <a:t>found</a:t>
+            </a:r>
+            <a:r>
+              <a:rPr lang="it-IT" sz="1800" dirty="0"/>
+              <a:t>: {'</a:t>
+            </a:r>
+            <a:r>
+              <a:rPr lang="it-IT" sz="1800" dirty="0" err="1"/>
+              <a:t>learning_rate</a:t>
+            </a:r>
+            <a:r>
+              <a:rPr lang="it-IT" sz="1800" dirty="0"/>
+              <a:t>': 0.05, '</a:t>
+            </a:r>
+            <a:r>
+              <a:rPr lang="it-IT" sz="1800" dirty="0" err="1"/>
+              <a:t>max_depth</a:t>
+            </a:r>
+            <a:r>
+              <a:rPr lang="it-IT" sz="1800" dirty="0"/>
+              <a:t>': 3, '</a:t>
+            </a:r>
+            <a:r>
+              <a:rPr lang="it-IT" sz="1800" dirty="0" err="1"/>
+              <a:t>n_estimators</a:t>
+            </a:r>
+            <a:r>
+              <a:rPr lang="it-IT" sz="1800" dirty="0"/>
+              <a:t>': 50}</a:t>
+            </a:r>
+          </a:p>
+          <a:p>
+            <a:pPr lvl="1"/>
+            <a:r>
+              <a:rPr lang="it-IT" sz="1800" dirty="0" err="1"/>
+              <a:t>Accuracy</a:t>
+            </a:r>
+            <a:r>
+              <a:rPr lang="it-IT" sz="1800" dirty="0"/>
+              <a:t>: 0.77</a:t>
+            </a:r>
+          </a:p>
+          <a:p>
+            <a:pPr lvl="1"/>
+            <a:r>
+              <a:rPr lang="it-IT" sz="1800" dirty="0"/>
+              <a:t>F1-score: 0.78</a:t>
+            </a:r>
+          </a:p>
+          <a:p>
+            <a:pPr lvl="1"/>
+            <a:r>
+              <a:rPr lang="it-IT" sz="1800" dirty="0"/>
+              <a:t>ROC-AUC score: 0.84</a:t>
+            </a:r>
+          </a:p>
+          <a:p>
+            <a:endParaRPr lang="it-IT" dirty="0"/>
+          </a:p>
+        </p:txBody>
+      </p:sp>
+      <p:sp>
+        <p:nvSpPr>
+          <p:cNvPr id="5" name="CasellaDiTesto 4">
+            <a:extLst>
+              <a:ext uri="{FF2B5EF4-FFF2-40B4-BE49-F238E27FC236}">
+                <a16:creationId xmlns:a16="http://schemas.microsoft.com/office/drawing/2014/main" id="{F5D37D8F-DA70-A694-6435-296F5DF378D2}"/>
+              </a:ext>
+            </a:extLst>
+          </p:cNvPr>
+          <p:cNvSpPr txBox="1"/>
+          <p:nvPr/>
+        </p:nvSpPr>
+        <p:spPr>
+          <a:xfrm>
+            <a:off x="1648178" y="2856089"/>
+            <a:ext cx="184731" cy="369332"/>
+          </a:xfrm>
+          <a:prstGeom prst="rect">
+            <a:avLst/>
+          </a:prstGeom>
+          <a:noFill/>
+        </p:spPr>
+        <p:txBody>
+          <a:bodyPr wrap="none" rtlCol="0">
+            <a:spAutoFit/>
+          </a:bodyPr>
+          <a:lstStyle/>
+          <a:p>
+            <a:endParaRPr lang="it-IT" dirty="0"/>
+          </a:p>
+        </p:txBody>
+      </p:sp>
+    </p:spTree>
+    <p:extLst>
+      <p:ext uri="{BB962C8B-B14F-4D97-AF65-F5344CB8AC3E}">
+        <p14:creationId xmlns:p14="http://schemas.microsoft.com/office/powerpoint/2010/main" val="3840594617"/>
+      </p:ext>
+    </p:extLst>
+  </p:cSld>
+  <p:clrMapOvr>
+    <a:masterClrMapping/>
+  </p:clrMapOvr>
+</p:sld>
+</file>
+
+<file path=ppt/slides/slide18.xml><?xml version="1.0" encoding="utf-8"?>
+<p:sld xmlns:a="http://schemas.openxmlformats.org/drawingml/2006/main" xmlns:r="http://schemas.openxmlformats.org/officeDocument/2006/relationships" xmlns:p="http://schemas.openxmlformats.org/presentationml/2006/main">
+  <p:cSld>
+    <p:spTree>
+      <p:nvGrpSpPr>
+        <p:cNvPr id="1" name=""/>
+        <p:cNvGrpSpPr/>
+        <p:nvPr/>
+      </p:nvGrpSpPr>
+      <p:grpSpPr>
+        <a:xfrm>
+          <a:off x="0" y="0"/>
+          <a:ext cx="0" cy="0"/>
+          <a:chOff x="0" y="0"/>
+          <a:chExt cx="0" cy="0"/>
+        </a:xfrm>
+      </p:grpSpPr>
+      <p:sp>
+        <p:nvSpPr>
+          <p:cNvPr id="2" name="Titolo 1">
+            <a:extLst>
+              <a:ext uri="{FF2B5EF4-FFF2-40B4-BE49-F238E27FC236}">
                 <a16:creationId xmlns:a16="http://schemas.microsoft.com/office/drawing/2014/main" id="{6E46499B-1105-09B1-F2FD-BA4A9B2E3C74}"/>
               </a:ext>
             </a:extLst>
@@ -5874,8 +6519,8 @@
         </p:nvSpPr>
         <p:spPr>
           <a:xfrm>
-            <a:off x="581192" y="2180496"/>
-            <a:ext cx="11029615" cy="4199984"/>
+            <a:off x="581192" y="2607732"/>
+            <a:ext cx="11029615" cy="3772747"/>
           </a:xfrm>
         </p:spPr>
         <p:txBody>
@@ -5934,7 +6579,7 @@
             </a:r>
             <a:r>
               <a:rPr lang="it-IT" sz="2000" dirty="0"/>
-              <a:t>, F1 Macro and AUC score </a:t>
+              <a:t>, F1-score and AUC score </a:t>
             </a:r>
             <a:r>
               <a:rPr lang="it-IT" sz="2000" dirty="0" err="1"/>
@@ -6038,10 +6683,7 @@
               <a:rPr lang="it-IT" sz="2000" dirty="0" err="1"/>
               <a:t>Neighbors</a:t>
             </a:r>
-            <a:r>
-              <a:rPr lang="it-IT" sz="2000" dirty="0"/>
-              <a:t>.</a:t>
-            </a:r>
+            <a:endParaRPr lang="it-IT" sz="2000" dirty="0"/>
           </a:p>
           <a:p>
             <a:pPr marL="324000" lvl="1" indent="0">
@@ -6154,6 +6796,22 @@
             <a:pPr lvl="1"/>
             <a:r>
               <a:rPr lang="it-IT" sz="2000" dirty="0" err="1"/>
+              <a:t>collected</a:t>
+            </a:r>
+            <a:r>
+              <a:rPr lang="it-IT" sz="2000" dirty="0"/>
+              <a:t> by the Open Sourcing </a:t>
+            </a:r>
+            <a:r>
+              <a:rPr lang="it-IT" sz="2000" dirty="0" err="1"/>
+              <a:t>Mental</a:t>
+            </a:r>
+            <a:r>
+              <a:rPr lang="it-IT" sz="2000" dirty="0"/>
+              <a:t> Health corporation and </a:t>
+            </a:r>
+            <a:r>
+              <a:rPr lang="it-IT" sz="2000" dirty="0" err="1"/>
               <a:t>available</a:t>
             </a:r>
             <a:r>
@@ -6366,7 +7024,7 @@
         <p:spPr>
           <a:xfrm>
             <a:off x="581192" y="2180496"/>
-            <a:ext cx="10565779" cy="3678303"/>
+            <a:ext cx="10120675" cy="3678303"/>
           </a:xfrm>
         </p:spPr>
         <p:txBody>
@@ -6405,7 +7063,15 @@
             </a:r>
             <a:r>
               <a:rPr lang="it-IT" sz="2400" dirty="0"/>
-              <a:t> health treatment </a:t>
+              <a:t> health </a:t>
+            </a:r>
+            <a:r>
+              <a:rPr lang="it-IT" sz="2400" dirty="0" err="1"/>
+              <a:t>seek</a:t>
+            </a:r>
+            <a:r>
+              <a:rPr lang="it-IT" sz="2400" dirty="0"/>
+              <a:t> of treatment </a:t>
             </a:r>
             <a:r>
               <a:rPr lang="it-IT" sz="2400" dirty="0" err="1"/>
@@ -6461,7 +7127,15 @@
             </a:r>
             <a:r>
               <a:rPr lang="it-IT" sz="2400" dirty="0"/>
-              <a:t> health and work) </a:t>
+              <a:t> health </a:t>
+            </a:r>
+            <a:r>
+              <a:rPr lang="it-IT" sz="2400" dirty="0" err="1"/>
+              <a:t>related</a:t>
+            </a:r>
+            <a:r>
+              <a:rPr lang="it-IT" sz="2400" dirty="0"/>
+              <a:t> with work) </a:t>
             </a:r>
             <a:r>
               <a:rPr lang="it-IT" sz="2400" dirty="0" err="1"/>
@@ -6707,52 +7381,100 @@
           </a:p>
           <a:p>
             <a:r>
-              <a:rPr lang="it-IT" sz="2000" b="1" dirty="0"/>
+              <a:rPr lang="it-IT" sz="2000" b="1" dirty="0">
+                <a:solidFill>
+                  <a:srgbClr val="FF0000"/>
+                </a:solidFill>
+              </a:rPr>
               <a:t>treatment</a:t>
             </a:r>
             <a:r>
-              <a:rPr lang="it-IT" sz="2000" dirty="0"/>
+              <a:rPr lang="it-IT" sz="2000" dirty="0">
+                <a:solidFill>
+                  <a:srgbClr val="FF0000"/>
+                </a:solidFill>
+              </a:rPr>
               <a:t>: </a:t>
             </a:r>
             <a:r>
-              <a:rPr lang="it-IT" sz="2000" dirty="0" err="1"/>
+              <a:rPr lang="it-IT" sz="2000" dirty="0" err="1">
+                <a:solidFill>
+                  <a:srgbClr val="FF0000"/>
+                </a:solidFill>
+              </a:rPr>
               <a:t>Have</a:t>
             </a:r>
             <a:r>
-              <a:rPr lang="it-IT" sz="2000" dirty="0"/>
-              <a:t> </a:t>
-            </a:r>
-            <a:r>
-              <a:rPr lang="it-IT" sz="2000" dirty="0" err="1"/>
+              <a:rPr lang="it-IT" sz="2000" dirty="0">
+                <a:solidFill>
+                  <a:srgbClr val="FF0000"/>
+                </a:solidFill>
+              </a:rPr>
+              <a:t> </a:t>
+            </a:r>
+            <a:r>
+              <a:rPr lang="it-IT" sz="2000" dirty="0" err="1">
+                <a:solidFill>
+                  <a:srgbClr val="FF0000"/>
+                </a:solidFill>
+              </a:rPr>
               <a:t>you</a:t>
             </a:r>
             <a:r>
-              <a:rPr lang="it-IT" sz="2000" dirty="0"/>
-              <a:t> </a:t>
-            </a:r>
-            <a:r>
-              <a:rPr lang="it-IT" sz="2000" dirty="0" err="1"/>
+              <a:rPr lang="it-IT" sz="2000" dirty="0">
+                <a:solidFill>
+                  <a:srgbClr val="FF0000"/>
+                </a:solidFill>
+              </a:rPr>
+              <a:t> </a:t>
+            </a:r>
+            <a:r>
+              <a:rPr lang="it-IT" sz="2000" dirty="0" err="1">
+                <a:solidFill>
+                  <a:srgbClr val="FF0000"/>
+                </a:solidFill>
+              </a:rPr>
               <a:t>sought</a:t>
             </a:r>
             <a:r>
-              <a:rPr lang="it-IT" sz="2000" dirty="0"/>
+              <a:rPr lang="it-IT" sz="2000" dirty="0">
+                <a:solidFill>
+                  <a:srgbClr val="FF0000"/>
+                </a:solidFill>
+              </a:rPr>
               <a:t> treatment for a </a:t>
             </a:r>
             <a:r>
-              <a:rPr lang="it-IT" sz="2000" dirty="0" err="1"/>
+              <a:rPr lang="it-IT" sz="2000" dirty="0" err="1">
+                <a:solidFill>
+                  <a:srgbClr val="FF0000"/>
+                </a:solidFill>
+              </a:rPr>
               <a:t>mental</a:t>
             </a:r>
             <a:r>
-              <a:rPr lang="it-IT" sz="2000" dirty="0"/>
+              <a:rPr lang="it-IT" sz="2000" dirty="0">
+                <a:solidFill>
+                  <a:srgbClr val="FF0000"/>
+                </a:solidFill>
+              </a:rPr>
               <a:t> health </a:t>
             </a:r>
             <a:r>
-              <a:rPr lang="it-IT" sz="2000" dirty="0" err="1"/>
+              <a:rPr lang="it-IT" sz="2000" dirty="0" err="1">
+                <a:solidFill>
+                  <a:srgbClr val="FF0000"/>
+                </a:solidFill>
+              </a:rPr>
               <a:t>condition</a:t>
             </a:r>
             <a:r>
-              <a:rPr lang="it-IT" sz="2000" dirty="0"/>
-              <a:t>?</a:t>
+              <a:rPr lang="it-IT" sz="2000" dirty="0">
+                <a:solidFill>
+                  <a:srgbClr val="FF0000"/>
+                </a:solidFill>
+              </a:rPr>
+              <a:t>? (Yes/No)</a:t>
             </a:r>
           </a:p>
           <a:p>

--- a/ProjectWorkPPT.pptx
+++ b/ProjectWorkPPT.pptx
@@ -375,7 +375,7 @@
             <a:fld id="{B61BEF0D-F0BB-DE4B-95CE-6DB70DBA9567}" type="datetimeFigureOut">
               <a:rPr lang="en-US" dirty="0"/>
               <a:pPr/>
-              <a:t>6/21/22</a:t>
+              <a:t>6/23/22</a:t>
             </a:fld>
             <a:endParaRPr lang="en-US" dirty="0"/>
           </a:p>
@@ -634,7 +634,7 @@
             <a:fld id="{B61BEF0D-F0BB-DE4B-95CE-6DB70DBA9567}" type="datetimeFigureOut">
               <a:rPr lang="en-US" dirty="0"/>
               <a:pPr/>
-              <a:t>6/21/22</a:t>
+              <a:t>6/23/22</a:t>
             </a:fld>
             <a:endParaRPr lang="en-US" dirty="0"/>
           </a:p>
@@ -866,7 +866,7 @@
             <a:fld id="{B61BEF0D-F0BB-DE4B-95CE-6DB70DBA9567}" type="datetimeFigureOut">
               <a:rPr lang="en-US" dirty="0"/>
               <a:pPr/>
-              <a:t>6/21/22</a:t>
+              <a:t>6/23/22</a:t>
             </a:fld>
             <a:endParaRPr lang="en-US" dirty="0"/>
           </a:p>
@@ -1103,7 +1103,7 @@
             <a:fld id="{B61BEF0D-F0BB-DE4B-95CE-6DB70DBA9567}" type="datetimeFigureOut">
               <a:rPr lang="en-US" dirty="0"/>
               <a:pPr/>
-              <a:t>6/21/22</a:t>
+              <a:t>6/23/22</a:t>
             </a:fld>
             <a:endParaRPr lang="en-US" dirty="0"/>
           </a:p>
@@ -1407,7 +1407,7 @@
             <a:fld id="{B61BEF0D-F0BB-DE4B-95CE-6DB70DBA9567}" type="datetimeFigureOut">
               <a:rPr lang="en-US" dirty="0"/>
               <a:pPr/>
-              <a:t>6/21/22</a:t>
+              <a:t>6/23/22</a:t>
             </a:fld>
             <a:endParaRPr lang="en-US" dirty="0"/>
           </a:p>
@@ -1706,7 +1706,7 @@
             <a:fld id="{B61BEF0D-F0BB-DE4B-95CE-6DB70DBA9567}" type="datetimeFigureOut">
               <a:rPr lang="en-US" dirty="0"/>
               <a:pPr/>
-              <a:t>6/21/22</a:t>
+              <a:t>6/23/22</a:t>
             </a:fld>
             <a:endParaRPr lang="en-US" dirty="0"/>
           </a:p>
@@ -2125,7 +2125,7 @@
             <a:fld id="{B61BEF0D-F0BB-DE4B-95CE-6DB70DBA9567}" type="datetimeFigureOut">
               <a:rPr lang="en-US" dirty="0"/>
               <a:pPr/>
-              <a:t>6/21/22</a:t>
+              <a:t>6/23/22</a:t>
             </a:fld>
             <a:endParaRPr lang="en-US" dirty="0"/>
           </a:p>
@@ -2284,7 +2284,7 @@
             <a:fld id="{B61BEF0D-F0BB-DE4B-95CE-6DB70DBA9567}" type="datetimeFigureOut">
               <a:rPr lang="en-US" dirty="0"/>
               <a:pPr/>
-              <a:t>6/21/22</a:t>
+              <a:t>6/23/22</a:t>
             </a:fld>
             <a:endParaRPr lang="en-US" dirty="0"/>
           </a:p>
@@ -2376,7 +2376,7 @@
             <a:fld id="{B61BEF0D-F0BB-DE4B-95CE-6DB70DBA9567}" type="datetimeFigureOut">
               <a:rPr lang="en-US" dirty="0"/>
               <a:pPr/>
-              <a:t>6/21/22</a:t>
+              <a:t>6/23/22</a:t>
             </a:fld>
             <a:endParaRPr lang="en-US" dirty="0"/>
           </a:p>
@@ -2751,7 +2751,7 @@
             <a:fld id="{B61BEF0D-F0BB-DE4B-95CE-6DB70DBA9567}" type="datetimeFigureOut">
               <a:rPr lang="en-US" dirty="0"/>
               <a:pPr/>
-              <a:t>6/21/22</a:t>
+              <a:t>6/23/22</a:t>
             </a:fld>
             <a:endParaRPr lang="en-US" dirty="0"/>
           </a:p>
@@ -3037,7 +3037,7 @@
             <a:fld id="{B61BEF0D-F0BB-DE4B-95CE-6DB70DBA9567}" type="datetimeFigureOut">
               <a:rPr lang="en-US" dirty="0"/>
               <a:pPr/>
-              <a:t>6/21/22</a:t>
+              <a:t>6/23/22</a:t>
             </a:fld>
             <a:endParaRPr lang="en-US" dirty="0"/>
           </a:p>
@@ -3245,7 +3245,7 @@
             <a:fld id="{B61BEF0D-F0BB-DE4B-95CE-6DB70DBA9567}" type="datetimeFigureOut">
               <a:rPr lang="en-US" dirty="0"/>
               <a:pPr/>
-              <a:t>6/21/22</a:t>
+              <a:t>6/23/22</a:t>
             </a:fld>
             <a:endParaRPr lang="en-US" dirty="0"/>
           </a:p>
@@ -3866,28 +3866,32 @@
         </p:spPr>
         <p:txBody>
           <a:bodyPr>
-            <a:normAutofit fontScale="90000"/>
+            <a:normAutofit/>
           </a:bodyPr>
           <a:lstStyle/>
           <a:p>
             <a:r>
-              <a:rPr lang="it-IT" sz="4000" dirty="0"/>
+              <a:rPr lang="it-IT" sz="3200" dirty="0"/>
               <a:t>Project work in machine learning:</a:t>
             </a:r>
             <a:br>
-              <a:rPr lang="it-IT" sz="4000" dirty="0"/>
+              <a:rPr lang="it-IT" sz="3200" dirty="0"/>
             </a:br>
             <a:r>
-              <a:rPr lang="it-IT" sz="4000" b="1" dirty="0"/>
+              <a:rPr lang="it-IT" sz="3200" b="1" dirty="0"/>
               <a:t>OSMI </a:t>
             </a:r>
             <a:r>
-              <a:rPr lang="it-IT" sz="4000" b="1" dirty="0" err="1"/>
+              <a:rPr lang="it-IT" sz="3200" b="1" dirty="0" err="1"/>
               <a:t>Mental</a:t>
             </a:r>
             <a:r>
-              <a:rPr lang="it-IT" sz="4000" b="1" dirty="0"/>
-              <a:t> Health in Tech DATASET</a:t>
+              <a:rPr lang="it-IT" sz="3200" b="1" dirty="0"/>
+              <a:t> Health in Tech </a:t>
+            </a:r>
+            <a:r>
+              <a:rPr lang="it-IT" sz="3200" b="1" dirty="0" err="1"/>
+              <a:t>Prediction</a:t>
             </a:r>
             <a:br>
               <a:rPr lang="it-IT" dirty="0"/>
@@ -4064,12 +4068,229 @@
           </a:p>
         </p:txBody>
       </p:sp>
+      <p:sp>
+        <p:nvSpPr>
+          <p:cNvPr id="5" name="CasellaDiTesto 4">
+            <a:extLst>
+              <a:ext uri="{FF2B5EF4-FFF2-40B4-BE49-F238E27FC236}">
+                <a16:creationId xmlns:a16="http://schemas.microsoft.com/office/drawing/2014/main" id="{1EC48035-298F-BD1A-9904-57D08EF33B90}"/>
+              </a:ext>
+            </a:extLst>
+          </p:cNvPr>
+          <p:cNvSpPr txBox="1"/>
+          <p:nvPr/>
+        </p:nvSpPr>
+        <p:spPr>
+          <a:xfrm>
+            <a:off x="6891868" y="2564684"/>
+            <a:ext cx="4826000" cy="3139321"/>
+          </a:xfrm>
+          <a:prstGeom prst="rect">
+            <a:avLst/>
+          </a:prstGeom>
+          <a:noFill/>
+        </p:spPr>
+        <p:txBody>
+          <a:bodyPr wrap="square" rtlCol="0">
+            <a:spAutoFit/>
+          </a:bodyPr>
+          <a:lstStyle/>
+          <a:p>
+            <a:pPr marL="285750" indent="-285750">
+              <a:buFont typeface="Arial" panose="020B0604020202020204" pitchFamily="34" charset="0"/>
+              <a:buChar char="•"/>
+            </a:pPr>
+            <a:r>
+              <a:rPr lang="it-IT" dirty="0" err="1"/>
+              <a:t>Correlation</a:t>
+            </a:r>
+            <a:r>
+              <a:rPr lang="it-IT" dirty="0"/>
+              <a:t> </a:t>
+            </a:r>
+            <a:r>
+              <a:rPr lang="it-IT" dirty="0" err="1"/>
+              <a:t>heatmap</a:t>
+            </a:r>
+            <a:r>
+              <a:rPr lang="it-IT" dirty="0"/>
+              <a:t> to </a:t>
+            </a:r>
+            <a:r>
+              <a:rPr lang="it-IT" dirty="0" err="1"/>
+              <a:t>see</a:t>
+            </a:r>
+            <a:r>
+              <a:rPr lang="it-IT" dirty="0"/>
+              <a:t> the </a:t>
+            </a:r>
+            <a:r>
+              <a:rPr lang="it-IT" dirty="0" err="1"/>
+              <a:t>correlation</a:t>
+            </a:r>
+            <a:r>
+              <a:rPr lang="it-IT" dirty="0"/>
+              <a:t> </a:t>
+            </a:r>
+          </a:p>
+          <a:p>
+            <a:r>
+              <a:rPr lang="it-IT" dirty="0" err="1"/>
+              <a:t>between</a:t>
+            </a:r>
+            <a:r>
+              <a:rPr lang="it-IT" dirty="0"/>
+              <a:t> </a:t>
+            </a:r>
+            <a:r>
+              <a:rPr lang="it-IT" dirty="0" err="1"/>
+              <a:t>variables</a:t>
+            </a:r>
+            <a:r>
+              <a:rPr lang="it-IT" dirty="0"/>
+              <a:t> and cause-</a:t>
+            </a:r>
+            <a:r>
+              <a:rPr lang="it-IT" dirty="0" err="1"/>
+              <a:t>effect</a:t>
+            </a:r>
+            <a:r>
+              <a:rPr lang="it-IT" dirty="0"/>
+              <a:t> </a:t>
+            </a:r>
+            <a:r>
+              <a:rPr lang="it-IT" dirty="0" err="1"/>
+              <a:t>relationships</a:t>
+            </a:r>
+            <a:r>
+              <a:rPr lang="it-IT" dirty="0"/>
+              <a:t>,</a:t>
+            </a:r>
+          </a:p>
+          <a:p>
+            <a:r>
+              <a:rPr lang="it-IT" dirty="0" err="1"/>
+              <a:t>computed</a:t>
+            </a:r>
+            <a:r>
+              <a:rPr lang="it-IT" dirty="0"/>
+              <a:t> </a:t>
+            </a:r>
+            <a:r>
+              <a:rPr lang="it-IT" dirty="0" err="1"/>
+              <a:t>using</a:t>
+            </a:r>
+            <a:r>
+              <a:rPr lang="it-IT" dirty="0"/>
+              <a:t> </a:t>
+            </a:r>
+            <a:r>
+              <a:rPr lang="it-IT" dirty="0" err="1"/>
+              <a:t>DataFrame.corr</a:t>
+            </a:r>
+            <a:r>
+              <a:rPr lang="it-IT" dirty="0"/>
+              <a:t> from </a:t>
+            </a:r>
+            <a:r>
+              <a:rPr lang="it-IT" dirty="0" err="1"/>
+              <a:t>Pandas</a:t>
+            </a:r>
+            <a:r>
+              <a:rPr lang="it-IT" dirty="0"/>
+              <a:t> library and </a:t>
+            </a:r>
+            <a:r>
+              <a:rPr lang="it-IT" dirty="0" err="1"/>
+              <a:t>sns.heatmap</a:t>
+            </a:r>
+            <a:r>
+              <a:rPr lang="it-IT" dirty="0"/>
+              <a:t> from </a:t>
+            </a:r>
+            <a:r>
+              <a:rPr lang="it-IT" dirty="0" err="1"/>
+              <a:t>seaborn</a:t>
+            </a:r>
+            <a:endParaRPr lang="it-IT" dirty="0"/>
+          </a:p>
+          <a:p>
+            <a:endParaRPr lang="it-IT" dirty="0"/>
+          </a:p>
+          <a:p>
+            <a:pPr marL="285750" indent="-285750">
+              <a:buFont typeface="Arial" panose="020B0604020202020204" pitchFamily="34" charset="0"/>
+              <a:buChar char="•"/>
+            </a:pPr>
+            <a:endParaRPr lang="it-IT" dirty="0"/>
+          </a:p>
+          <a:p>
+            <a:pPr marL="285750" indent="-285750">
+              <a:buFont typeface="Arial" panose="020B0604020202020204" pitchFamily="34" charset="0"/>
+              <a:buChar char="•"/>
+            </a:pPr>
+            <a:r>
+              <a:rPr lang="it-IT" dirty="0" err="1"/>
+              <a:t>Interesting</a:t>
+            </a:r>
+            <a:r>
+              <a:rPr lang="it-IT" dirty="0"/>
+              <a:t> </a:t>
+            </a:r>
+            <a:r>
+              <a:rPr lang="it-IT" dirty="0" err="1"/>
+              <a:t>correlation</a:t>
+            </a:r>
+            <a:r>
+              <a:rPr lang="it-IT" dirty="0"/>
+              <a:t> </a:t>
+            </a:r>
+            <a:r>
+              <a:rPr lang="it-IT" dirty="0" err="1"/>
+              <a:t>between</a:t>
+            </a:r>
+            <a:r>
+              <a:rPr lang="it-IT" dirty="0"/>
+              <a:t> </a:t>
+            </a:r>
+            <a:r>
+              <a:rPr lang="it-IT" dirty="0" err="1"/>
+              <a:t>family_history</a:t>
+            </a:r>
+            <a:r>
+              <a:rPr lang="it-IT" dirty="0"/>
+              <a:t> and </a:t>
+            </a:r>
+            <a:r>
+              <a:rPr lang="it-IT" dirty="0" err="1"/>
+              <a:t>seek</a:t>
+            </a:r>
+            <a:r>
+              <a:rPr lang="it-IT" dirty="0"/>
+              <a:t> of treatment</a:t>
+            </a:r>
+          </a:p>
+          <a:p>
+            <a:endParaRPr lang="it-IT" dirty="0"/>
+          </a:p>
+          <a:p>
+            <a:endParaRPr lang="it-IT" dirty="0"/>
+          </a:p>
+          <a:p>
+            <a:pPr marL="285750" indent="-285750">
+              <a:buFont typeface="Arial" panose="020B0604020202020204" pitchFamily="34" charset="0"/>
+              <a:buChar char="•"/>
+            </a:pPr>
+            <a:endParaRPr lang="it-IT" dirty="0"/>
+          </a:p>
+        </p:txBody>
+      </p:sp>
       <p:pic>
         <p:nvPicPr>
-          <p:cNvPr id="4" name="Segnaposto contenuto 3">
+          <p:cNvPr id="8" name="Segnaposto contenuto 7">
             <a:extLst>
               <a:ext uri="{FF2B5EF4-FFF2-40B4-BE49-F238E27FC236}">
-                <a16:creationId xmlns:a16="http://schemas.microsoft.com/office/drawing/2014/main" id="{5E8C8A2E-0422-1857-6070-4338C0CE0AD2}"/>
+                <a16:creationId xmlns:a16="http://schemas.microsoft.com/office/drawing/2014/main" id="{3DDFB02F-B84D-74A0-4AFA-D9AAA0B5C9B1}"/>
               </a:ext>
             </a:extLst>
           </p:cNvPr>
@@ -4088,228 +4309,11 @@
         </p:blipFill>
         <p:spPr>
           <a:xfrm>
-            <a:off x="723432" y="2175407"/>
-            <a:ext cx="5829768" cy="4396997"/>
+            <a:off x="699766" y="2018375"/>
+            <a:ext cx="5564399" cy="4839625"/>
           </a:xfrm>
         </p:spPr>
       </p:pic>
-      <p:sp>
-        <p:nvSpPr>
-          <p:cNvPr id="5" name="CasellaDiTesto 4">
-            <a:extLst>
-              <a:ext uri="{FF2B5EF4-FFF2-40B4-BE49-F238E27FC236}">
-                <a16:creationId xmlns:a16="http://schemas.microsoft.com/office/drawing/2014/main" id="{1EC48035-298F-BD1A-9904-57D08EF33B90}"/>
-              </a:ext>
-            </a:extLst>
-          </p:cNvPr>
-          <p:cNvSpPr txBox="1"/>
-          <p:nvPr/>
-        </p:nvSpPr>
-        <p:spPr>
-          <a:xfrm>
-            <a:off x="6891868" y="2564684"/>
-            <a:ext cx="4826000" cy="3139321"/>
-          </a:xfrm>
-          <a:prstGeom prst="rect">
-            <a:avLst/>
-          </a:prstGeom>
-          <a:noFill/>
-        </p:spPr>
-        <p:txBody>
-          <a:bodyPr wrap="square" rtlCol="0">
-            <a:spAutoFit/>
-          </a:bodyPr>
-          <a:lstStyle/>
-          <a:p>
-            <a:pPr marL="285750" indent="-285750">
-              <a:buFont typeface="Arial" panose="020B0604020202020204" pitchFamily="34" charset="0"/>
-              <a:buChar char="•"/>
-            </a:pPr>
-            <a:r>
-              <a:rPr lang="it-IT" dirty="0" err="1"/>
-              <a:t>Correlation</a:t>
-            </a:r>
-            <a:r>
-              <a:rPr lang="it-IT" dirty="0"/>
-              <a:t> </a:t>
-            </a:r>
-            <a:r>
-              <a:rPr lang="it-IT" dirty="0" err="1"/>
-              <a:t>heatmap</a:t>
-            </a:r>
-            <a:r>
-              <a:rPr lang="it-IT" dirty="0"/>
-              <a:t> to </a:t>
-            </a:r>
-            <a:r>
-              <a:rPr lang="it-IT" dirty="0" err="1"/>
-              <a:t>see</a:t>
-            </a:r>
-            <a:r>
-              <a:rPr lang="it-IT" dirty="0"/>
-              <a:t> the </a:t>
-            </a:r>
-            <a:r>
-              <a:rPr lang="it-IT" dirty="0" err="1"/>
-              <a:t>correlation</a:t>
-            </a:r>
-            <a:r>
-              <a:rPr lang="it-IT" dirty="0"/>
-              <a:t> </a:t>
-            </a:r>
-          </a:p>
-          <a:p>
-            <a:r>
-              <a:rPr lang="it-IT" dirty="0" err="1"/>
-              <a:t>between</a:t>
-            </a:r>
-            <a:r>
-              <a:rPr lang="it-IT" dirty="0"/>
-              <a:t> </a:t>
-            </a:r>
-            <a:r>
-              <a:rPr lang="it-IT" dirty="0" err="1"/>
-              <a:t>variables</a:t>
-            </a:r>
-            <a:r>
-              <a:rPr lang="it-IT" dirty="0"/>
-              <a:t> and cause-</a:t>
-            </a:r>
-            <a:r>
-              <a:rPr lang="it-IT" dirty="0" err="1"/>
-              <a:t>effect</a:t>
-            </a:r>
-            <a:r>
-              <a:rPr lang="it-IT" dirty="0"/>
-              <a:t> </a:t>
-            </a:r>
-            <a:r>
-              <a:rPr lang="it-IT" dirty="0" err="1"/>
-              <a:t>relationships</a:t>
-            </a:r>
-            <a:r>
-              <a:rPr lang="it-IT" dirty="0"/>
-              <a:t>,</a:t>
-            </a:r>
-          </a:p>
-          <a:p>
-            <a:r>
-              <a:rPr lang="it-IT" dirty="0" err="1"/>
-              <a:t>computed</a:t>
-            </a:r>
-            <a:r>
-              <a:rPr lang="it-IT" dirty="0"/>
-              <a:t> </a:t>
-            </a:r>
-            <a:r>
-              <a:rPr lang="it-IT" dirty="0" err="1"/>
-              <a:t>using</a:t>
-            </a:r>
-            <a:r>
-              <a:rPr lang="it-IT" dirty="0"/>
-              <a:t> </a:t>
-            </a:r>
-            <a:r>
-              <a:rPr lang="it-IT" dirty="0" err="1"/>
-              <a:t>DataFrame.corr</a:t>
-            </a:r>
-            <a:r>
-              <a:rPr lang="it-IT" dirty="0"/>
-              <a:t> from </a:t>
-            </a:r>
-            <a:r>
-              <a:rPr lang="it-IT" dirty="0" err="1"/>
-              <a:t>Pandas</a:t>
-            </a:r>
-            <a:r>
-              <a:rPr lang="it-IT" dirty="0"/>
-              <a:t> library and </a:t>
-            </a:r>
-            <a:r>
-              <a:rPr lang="it-IT" dirty="0" err="1"/>
-              <a:t>sns.heatmap</a:t>
-            </a:r>
-            <a:r>
-              <a:rPr lang="it-IT" dirty="0"/>
-              <a:t> from </a:t>
-            </a:r>
-            <a:r>
-              <a:rPr lang="it-IT" dirty="0" err="1"/>
-              <a:t>seaborn</a:t>
-            </a:r>
-            <a:endParaRPr lang="it-IT" dirty="0"/>
-          </a:p>
-          <a:p>
-            <a:endParaRPr lang="it-IT" dirty="0"/>
-          </a:p>
-          <a:p>
-            <a:pPr marL="285750" indent="-285750">
-              <a:buFont typeface="Arial" panose="020B0604020202020204" pitchFamily="34" charset="0"/>
-              <a:buChar char="•"/>
-            </a:pPr>
-            <a:endParaRPr lang="it-IT" dirty="0"/>
-          </a:p>
-          <a:p>
-            <a:pPr marL="285750" indent="-285750">
-              <a:buFont typeface="Arial" panose="020B0604020202020204" pitchFamily="34" charset="0"/>
-              <a:buChar char="•"/>
-            </a:pPr>
-            <a:r>
-              <a:rPr lang="it-IT" dirty="0" err="1"/>
-              <a:t>Interesting</a:t>
-            </a:r>
-            <a:r>
-              <a:rPr lang="it-IT" dirty="0"/>
-              <a:t> </a:t>
-            </a:r>
-            <a:r>
-              <a:rPr lang="it-IT" dirty="0" err="1"/>
-              <a:t>correlation</a:t>
-            </a:r>
-            <a:r>
-              <a:rPr lang="it-IT" dirty="0"/>
-              <a:t> </a:t>
-            </a:r>
-            <a:r>
-              <a:rPr lang="it-IT" dirty="0" err="1"/>
-              <a:t>between</a:t>
-            </a:r>
-            <a:r>
-              <a:rPr lang="it-IT" dirty="0"/>
-              <a:t> </a:t>
-            </a:r>
-            <a:r>
-              <a:rPr lang="it-IT" dirty="0" err="1"/>
-              <a:t>family_history</a:t>
-            </a:r>
-            <a:r>
-              <a:rPr lang="it-IT" dirty="0"/>
-              <a:t> and </a:t>
-            </a:r>
-            <a:r>
-              <a:rPr lang="it-IT" dirty="0" err="1"/>
-              <a:t>seek</a:t>
-            </a:r>
-            <a:r>
-              <a:rPr lang="it-IT" dirty="0"/>
-              <a:t> of treatment</a:t>
-            </a:r>
-          </a:p>
-          <a:p>
-            <a:endParaRPr lang="it-IT" dirty="0"/>
-          </a:p>
-          <a:p>
-            <a:endParaRPr lang="it-IT" dirty="0"/>
-          </a:p>
-          <a:p>
-            <a:pPr marL="285750" indent="-285750">
-              <a:buFont typeface="Arial" panose="020B0604020202020204" pitchFamily="34" charset="0"/>
-              <a:buChar char="•"/>
-            </a:pPr>
-            <a:endParaRPr lang="it-IT" dirty="0"/>
-          </a:p>
-        </p:txBody>
-      </p:sp>
     </p:spTree>
     <p:extLst>
       <p:ext uri="{BB962C8B-B14F-4D97-AF65-F5344CB8AC3E}">
@@ -8942,13 +8946,11 @@
             </a:r>
             <a:r>
               <a:rPr lang="it-IT" sz="2400" dirty="0"/>
-              <a:t>)</a:t>
-            </a:r>
-          </a:p>
-          <a:p>
+              <a:t>) and </a:t>
+            </a:r>
             <a:r>
               <a:rPr lang="it-IT" sz="2400" dirty="0" err="1"/>
-              <a:t>Replacement</a:t>
+              <a:t>replacement</a:t>
             </a:r>
             <a:r>
               <a:rPr lang="it-IT" sz="2400" dirty="0"/>
@@ -9286,12 +9288,132 @@
           </a:p>
         </p:txBody>
       </p:sp>
+      <p:sp>
+        <p:nvSpPr>
+          <p:cNvPr id="6" name="CasellaDiTesto 5">
+            <a:extLst>
+              <a:ext uri="{FF2B5EF4-FFF2-40B4-BE49-F238E27FC236}">
+                <a16:creationId xmlns:a16="http://schemas.microsoft.com/office/drawing/2014/main" id="{1DF9A573-8AD2-AAB0-7704-8CE69E08EEB5}"/>
+              </a:ext>
+            </a:extLst>
+          </p:cNvPr>
+          <p:cNvSpPr txBox="1"/>
+          <p:nvPr/>
+        </p:nvSpPr>
+        <p:spPr>
+          <a:xfrm>
+            <a:off x="822532" y="4909644"/>
+            <a:ext cx="9978181" cy="923330"/>
+          </a:xfrm>
+          <a:prstGeom prst="rect">
+            <a:avLst/>
+          </a:prstGeom>
+          <a:noFill/>
+        </p:spPr>
+        <p:txBody>
+          <a:bodyPr wrap="none" rtlCol="0">
+            <a:spAutoFit/>
+          </a:bodyPr>
+          <a:lstStyle/>
+          <a:p>
+            <a:r>
+              <a:rPr lang="it-IT" dirty="0"/>
+              <a:t>Distribution of </a:t>
+            </a:r>
+            <a:r>
+              <a:rPr lang="it-IT" dirty="0" err="1"/>
+              <a:t>individuals</a:t>
+            </a:r>
+            <a:r>
+              <a:rPr lang="it-IT" dirty="0"/>
+              <a:t> </a:t>
+            </a:r>
+            <a:r>
+              <a:rPr lang="it-IT" dirty="0" err="1"/>
+              <a:t>across</a:t>
+            </a:r>
+            <a:r>
+              <a:rPr lang="it-IT" dirty="0"/>
+              <a:t> the countries: the </a:t>
+            </a:r>
+            <a:r>
+              <a:rPr lang="it-IT" dirty="0" err="1"/>
+              <a:t>number</a:t>
+            </a:r>
+            <a:r>
+              <a:rPr lang="it-IT" dirty="0"/>
+              <a:t> of </a:t>
+            </a:r>
+            <a:r>
+              <a:rPr lang="it-IT" dirty="0" err="1"/>
+              <a:t>participants</a:t>
+            </a:r>
+            <a:r>
+              <a:rPr lang="it-IT" dirty="0"/>
+              <a:t> from the USA </a:t>
+            </a:r>
+            <a:r>
+              <a:rPr lang="it-IT" dirty="0" err="1"/>
+              <a:t>is</a:t>
+            </a:r>
+            <a:r>
+              <a:rPr lang="it-IT" dirty="0"/>
+              <a:t> </a:t>
+            </a:r>
+            <a:r>
+              <a:rPr lang="it-IT" dirty="0" err="1"/>
+              <a:t>much</a:t>
+            </a:r>
+            <a:r>
+              <a:rPr lang="it-IT" dirty="0"/>
+              <a:t> </a:t>
+            </a:r>
+            <a:r>
+              <a:rPr lang="it-IT" dirty="0" err="1"/>
+              <a:t>higher</a:t>
+            </a:r>
+            <a:r>
+              <a:rPr lang="it-IT" dirty="0"/>
+              <a:t> </a:t>
+            </a:r>
+          </a:p>
+          <a:p>
+            <a:r>
+              <a:rPr lang="it-IT" dirty="0" err="1"/>
+              <a:t>compared</a:t>
+            </a:r>
+            <a:r>
+              <a:rPr lang="it-IT" dirty="0"/>
+              <a:t> to </a:t>
+            </a:r>
+            <a:r>
+              <a:rPr lang="it-IT" dirty="0" err="1"/>
+              <a:t>any</a:t>
+            </a:r>
+            <a:r>
+              <a:rPr lang="it-IT" dirty="0"/>
+              <a:t> </a:t>
+            </a:r>
+            <a:r>
+              <a:rPr lang="it-IT" dirty="0" err="1"/>
+              <a:t>other</a:t>
+            </a:r>
+            <a:r>
+              <a:rPr lang="it-IT" dirty="0"/>
+              <a:t> country</a:t>
+            </a:r>
+          </a:p>
+          <a:p>
+            <a:endParaRPr lang="it-IT" dirty="0"/>
+          </a:p>
+        </p:txBody>
+      </p:sp>
       <p:pic>
         <p:nvPicPr>
-          <p:cNvPr id="5" name="Segnaposto contenuto 4">
+          <p:cNvPr id="8" name="Segnaposto contenuto 7">
             <a:extLst>
               <a:ext uri="{FF2B5EF4-FFF2-40B4-BE49-F238E27FC236}">
-                <a16:creationId xmlns:a16="http://schemas.microsoft.com/office/drawing/2014/main" id="{D7ED9E60-8037-41E0-2966-32C4854044DE}"/>
+                <a16:creationId xmlns:a16="http://schemas.microsoft.com/office/drawing/2014/main" id="{12B04846-994A-BBAF-9D17-FC6A971EB64E}"/>
               </a:ext>
             </a:extLst>
           </p:cNvPr>
@@ -9310,131 +9432,11 @@
         </p:blipFill>
         <p:spPr>
           <a:xfrm>
-            <a:off x="581025" y="3086706"/>
+            <a:off x="580858" y="2495362"/>
             <a:ext cx="11029950" cy="1867275"/>
           </a:xfrm>
         </p:spPr>
       </p:pic>
-      <p:sp>
-        <p:nvSpPr>
-          <p:cNvPr id="6" name="CasellaDiTesto 5">
-            <a:extLst>
-              <a:ext uri="{FF2B5EF4-FFF2-40B4-BE49-F238E27FC236}">
-                <a16:creationId xmlns:a16="http://schemas.microsoft.com/office/drawing/2014/main" id="{1DF9A573-8AD2-AAB0-7704-8CE69E08EEB5}"/>
-              </a:ext>
-            </a:extLst>
-          </p:cNvPr>
-          <p:cNvSpPr txBox="1"/>
-          <p:nvPr/>
-        </p:nvSpPr>
-        <p:spPr>
-          <a:xfrm>
-            <a:off x="801511" y="5498224"/>
-            <a:ext cx="9978181" cy="923330"/>
-          </a:xfrm>
-          <a:prstGeom prst="rect">
-            <a:avLst/>
-          </a:prstGeom>
-          <a:noFill/>
-        </p:spPr>
-        <p:txBody>
-          <a:bodyPr wrap="none" rtlCol="0">
-            <a:spAutoFit/>
-          </a:bodyPr>
-          <a:lstStyle/>
-          <a:p>
-            <a:r>
-              <a:rPr lang="it-IT" dirty="0"/>
-              <a:t>Distribution of </a:t>
-            </a:r>
-            <a:r>
-              <a:rPr lang="it-IT" dirty="0" err="1"/>
-              <a:t>individuals</a:t>
-            </a:r>
-            <a:r>
-              <a:rPr lang="it-IT" dirty="0"/>
-              <a:t> </a:t>
-            </a:r>
-            <a:r>
-              <a:rPr lang="it-IT" dirty="0" err="1"/>
-              <a:t>across</a:t>
-            </a:r>
-            <a:r>
-              <a:rPr lang="it-IT" dirty="0"/>
-              <a:t> the countries: the </a:t>
-            </a:r>
-            <a:r>
-              <a:rPr lang="it-IT" dirty="0" err="1"/>
-              <a:t>number</a:t>
-            </a:r>
-            <a:r>
-              <a:rPr lang="it-IT" dirty="0"/>
-              <a:t> of </a:t>
-            </a:r>
-            <a:r>
-              <a:rPr lang="it-IT" dirty="0" err="1"/>
-              <a:t>participants</a:t>
-            </a:r>
-            <a:r>
-              <a:rPr lang="it-IT" dirty="0"/>
-              <a:t> from the USA </a:t>
-            </a:r>
-            <a:r>
-              <a:rPr lang="it-IT" dirty="0" err="1"/>
-              <a:t>is</a:t>
-            </a:r>
-            <a:r>
-              <a:rPr lang="it-IT" dirty="0"/>
-              <a:t> </a:t>
-            </a:r>
-            <a:r>
-              <a:rPr lang="it-IT" dirty="0" err="1"/>
-              <a:t>much</a:t>
-            </a:r>
-            <a:r>
-              <a:rPr lang="it-IT" dirty="0"/>
-              <a:t> </a:t>
-            </a:r>
-            <a:r>
-              <a:rPr lang="it-IT" dirty="0" err="1"/>
-              <a:t>higher</a:t>
-            </a:r>
-            <a:r>
-              <a:rPr lang="it-IT" dirty="0"/>
-              <a:t> </a:t>
-            </a:r>
-          </a:p>
-          <a:p>
-            <a:r>
-              <a:rPr lang="it-IT" dirty="0" err="1"/>
-              <a:t>compared</a:t>
-            </a:r>
-            <a:r>
-              <a:rPr lang="it-IT" dirty="0"/>
-              <a:t> to </a:t>
-            </a:r>
-            <a:r>
-              <a:rPr lang="it-IT" dirty="0" err="1"/>
-              <a:t>any</a:t>
-            </a:r>
-            <a:r>
-              <a:rPr lang="it-IT" dirty="0"/>
-              <a:t> </a:t>
-            </a:r>
-            <a:r>
-              <a:rPr lang="it-IT" dirty="0" err="1"/>
-              <a:t>other</a:t>
-            </a:r>
-            <a:r>
-              <a:rPr lang="it-IT" dirty="0"/>
-              <a:t> country</a:t>
-            </a:r>
-          </a:p>
-          <a:p>
-            <a:endParaRPr lang="it-IT" dirty="0"/>
-          </a:p>
-        </p:txBody>
-      </p:sp>
     </p:spTree>
     <p:extLst>
       <p:ext uri="{BB962C8B-B14F-4D97-AF65-F5344CB8AC3E}">
@@ -9539,7 +9541,7 @@
         <p:spPr>
           <a:xfrm>
             <a:off x="1930400" y="5908018"/>
-            <a:ext cx="6805646" cy="646331"/>
+            <a:ext cx="8349337" cy="646331"/>
           </a:xfrm>
           <a:prstGeom prst="rect">
             <a:avLst/>
@@ -9580,7 +9582,26 @@
               <a:rPr lang="it-IT" dirty="0" err="1"/>
               <a:t>respondants</a:t>
             </a:r>
-            <a:endParaRPr lang="it-IT" dirty="0"/>
+            <a:r>
+              <a:rPr lang="it-IT" dirty="0"/>
+              <a:t>: </a:t>
+            </a:r>
+            <a:r>
+              <a:rPr lang="it-IT" dirty="0" err="1"/>
+              <a:t>peak</a:t>
+            </a:r>
+            <a:r>
+              <a:rPr lang="it-IT" dirty="0"/>
+              <a:t> </a:t>
+            </a:r>
+            <a:r>
+              <a:rPr lang="it-IT" dirty="0" err="1"/>
+              <a:t>around</a:t>
+            </a:r>
+            <a:r>
+              <a:rPr lang="it-IT" dirty="0"/>
+              <a:t> 30</a:t>
+            </a:r>
           </a:p>
           <a:p>
             <a:endParaRPr lang="it-IT" dirty="0"/>
